--- a/03-h-Mn/Pictures/DotPres.pptx
+++ b/03-h-Mn/Pictures/DotPres.pptx
@@ -10,14 +10,14 @@
   <p:sldIdLst>
     <p:sldId id="293" r:id="rId2"/>
   </p:sldIdLst>
-  <p:sldSz cx="5940425" cy="9144000"/>
+  <p:sldSz cx="5868988" cy="6229350"/>
   <p:notesSz cx="6797675" cy="9926638"/>
   <p:defaultTextStyle>
     <a:defPPr>
       <a:defRPr lang="en-US"/>
     </a:defPPr>
-    <a:lvl1pPr marL="0" algn="l" defTabSz="914400" rtl="0" eaLnBrk="1" latinLnBrk="0" hangingPunct="1">
-      <a:defRPr sz="1800" kern="1200">
+    <a:lvl1pPr marL="0" algn="l" defTabSz="785652" rtl="0" eaLnBrk="1" latinLnBrk="0" hangingPunct="1">
+      <a:defRPr sz="1500" kern="1200">
         <a:solidFill>
           <a:schemeClr val="tx1"/>
         </a:solidFill>
@@ -26,8 +26,8 @@
         <a:cs typeface="+mn-cs"/>
       </a:defRPr>
     </a:lvl1pPr>
-    <a:lvl2pPr marL="457200" algn="l" defTabSz="914400" rtl="0" eaLnBrk="1" latinLnBrk="0" hangingPunct="1">
-      <a:defRPr sz="1800" kern="1200">
+    <a:lvl2pPr marL="392826" algn="l" defTabSz="785652" rtl="0" eaLnBrk="1" latinLnBrk="0" hangingPunct="1">
+      <a:defRPr sz="1500" kern="1200">
         <a:solidFill>
           <a:schemeClr val="tx1"/>
         </a:solidFill>
@@ -36,8 +36,8 @@
         <a:cs typeface="+mn-cs"/>
       </a:defRPr>
     </a:lvl2pPr>
-    <a:lvl3pPr marL="914400" algn="l" defTabSz="914400" rtl="0" eaLnBrk="1" latinLnBrk="0" hangingPunct="1">
-      <a:defRPr sz="1800" kern="1200">
+    <a:lvl3pPr marL="785652" algn="l" defTabSz="785652" rtl="0" eaLnBrk="1" latinLnBrk="0" hangingPunct="1">
+      <a:defRPr sz="1500" kern="1200">
         <a:solidFill>
           <a:schemeClr val="tx1"/>
         </a:solidFill>
@@ -46,8 +46,8 @@
         <a:cs typeface="+mn-cs"/>
       </a:defRPr>
     </a:lvl3pPr>
-    <a:lvl4pPr marL="1371600" algn="l" defTabSz="914400" rtl="0" eaLnBrk="1" latinLnBrk="0" hangingPunct="1">
-      <a:defRPr sz="1800" kern="1200">
+    <a:lvl4pPr marL="1178479" algn="l" defTabSz="785652" rtl="0" eaLnBrk="1" latinLnBrk="0" hangingPunct="1">
+      <a:defRPr sz="1500" kern="1200">
         <a:solidFill>
           <a:schemeClr val="tx1"/>
         </a:solidFill>
@@ -56,8 +56,8 @@
         <a:cs typeface="+mn-cs"/>
       </a:defRPr>
     </a:lvl4pPr>
-    <a:lvl5pPr marL="1828800" algn="l" defTabSz="914400" rtl="0" eaLnBrk="1" latinLnBrk="0" hangingPunct="1">
-      <a:defRPr sz="1800" kern="1200">
+    <a:lvl5pPr marL="1571305" algn="l" defTabSz="785652" rtl="0" eaLnBrk="1" latinLnBrk="0" hangingPunct="1">
+      <a:defRPr sz="1500" kern="1200">
         <a:solidFill>
           <a:schemeClr val="tx1"/>
         </a:solidFill>
@@ -66,8 +66,8 @@
         <a:cs typeface="+mn-cs"/>
       </a:defRPr>
     </a:lvl5pPr>
-    <a:lvl6pPr marL="2286000" algn="l" defTabSz="914400" rtl="0" eaLnBrk="1" latinLnBrk="0" hangingPunct="1">
-      <a:defRPr sz="1800" kern="1200">
+    <a:lvl6pPr marL="1964131" algn="l" defTabSz="785652" rtl="0" eaLnBrk="1" latinLnBrk="0" hangingPunct="1">
+      <a:defRPr sz="1500" kern="1200">
         <a:solidFill>
           <a:schemeClr val="tx1"/>
         </a:solidFill>
@@ -76,8 +76,8 @@
         <a:cs typeface="+mn-cs"/>
       </a:defRPr>
     </a:lvl6pPr>
-    <a:lvl7pPr marL="2743200" algn="l" defTabSz="914400" rtl="0" eaLnBrk="1" latinLnBrk="0" hangingPunct="1">
-      <a:defRPr sz="1800" kern="1200">
+    <a:lvl7pPr marL="2356957" algn="l" defTabSz="785652" rtl="0" eaLnBrk="1" latinLnBrk="0" hangingPunct="1">
+      <a:defRPr sz="1500" kern="1200">
         <a:solidFill>
           <a:schemeClr val="tx1"/>
         </a:solidFill>
@@ -86,8 +86,8 @@
         <a:cs typeface="+mn-cs"/>
       </a:defRPr>
     </a:lvl7pPr>
-    <a:lvl8pPr marL="3200400" algn="l" defTabSz="914400" rtl="0" eaLnBrk="1" latinLnBrk="0" hangingPunct="1">
-      <a:defRPr sz="1800" kern="1200">
+    <a:lvl8pPr marL="2749784" algn="l" defTabSz="785652" rtl="0" eaLnBrk="1" latinLnBrk="0" hangingPunct="1">
+      <a:defRPr sz="1500" kern="1200">
         <a:solidFill>
           <a:schemeClr val="tx1"/>
         </a:solidFill>
@@ -96,8 +96,8 @@
         <a:cs typeface="+mn-cs"/>
       </a:defRPr>
     </a:lvl8pPr>
-    <a:lvl9pPr marL="3657600" algn="l" defTabSz="914400" rtl="0" eaLnBrk="1" latinLnBrk="0" hangingPunct="1">
-      <a:defRPr sz="1800" kern="1200">
+    <a:lvl9pPr marL="3142610" algn="l" defTabSz="785652" rtl="0" eaLnBrk="1" latinLnBrk="0" hangingPunct="1">
+      <a:defRPr sz="1500" kern="1200">
         <a:solidFill>
           <a:schemeClr val="tx1"/>
         </a:solidFill>
@@ -192,7 +192,7 @@
           <a:p>
             <a:fld id="{A732596A-CC33-44AB-A517-CD91BCF05E15}" type="datetimeFigureOut">
               <a:rPr lang="en-US" smtClean="0"/>
-              <a:t>7/10/2017</a:t>
+              <a:t>7/11/2017</a:t>
             </a:fld>
             <a:endParaRPr lang="en-US"/>
           </a:p>
@@ -210,8 +210,8 @@
         </p:nvSpPr>
         <p:spPr>
           <a:xfrm>
-            <a:off x="2190750" y="744538"/>
-            <a:ext cx="2416175" cy="3721100"/>
+            <a:off x="1646238" y="744538"/>
+            <a:ext cx="3505200" cy="3721100"/>
           </a:xfrm>
           <a:prstGeom prst="rect">
             <a:avLst/>
@@ -366,8 +366,8 @@
   </p:cSld>
   <p:clrMap bg1="lt1" tx1="dk1" bg2="lt2" tx2="dk2" accent1="accent1" accent2="accent2" accent3="accent3" accent4="accent4" accent5="accent5" accent6="accent6" hlink="hlink" folHlink="folHlink"/>
   <p:notesStyle>
-    <a:lvl1pPr marL="0" algn="l" defTabSz="914400" rtl="0" eaLnBrk="1" latinLnBrk="0" hangingPunct="1">
-      <a:defRPr sz="1200" kern="1200">
+    <a:lvl1pPr marL="0" algn="l" defTabSz="785652" rtl="0" eaLnBrk="1" latinLnBrk="0" hangingPunct="1">
+      <a:defRPr sz="1000" kern="1200">
         <a:solidFill>
           <a:schemeClr val="tx1"/>
         </a:solidFill>
@@ -376,8 +376,8 @@
         <a:cs typeface="+mn-cs"/>
       </a:defRPr>
     </a:lvl1pPr>
-    <a:lvl2pPr marL="457200" algn="l" defTabSz="914400" rtl="0" eaLnBrk="1" latinLnBrk="0" hangingPunct="1">
-      <a:defRPr sz="1200" kern="1200">
+    <a:lvl2pPr marL="392826" algn="l" defTabSz="785652" rtl="0" eaLnBrk="1" latinLnBrk="0" hangingPunct="1">
+      <a:defRPr sz="1000" kern="1200">
         <a:solidFill>
           <a:schemeClr val="tx1"/>
         </a:solidFill>
@@ -386,8 +386,8 @@
         <a:cs typeface="+mn-cs"/>
       </a:defRPr>
     </a:lvl2pPr>
-    <a:lvl3pPr marL="914400" algn="l" defTabSz="914400" rtl="0" eaLnBrk="1" latinLnBrk="0" hangingPunct="1">
-      <a:defRPr sz="1200" kern="1200">
+    <a:lvl3pPr marL="785652" algn="l" defTabSz="785652" rtl="0" eaLnBrk="1" latinLnBrk="0" hangingPunct="1">
+      <a:defRPr sz="1000" kern="1200">
         <a:solidFill>
           <a:schemeClr val="tx1"/>
         </a:solidFill>
@@ -396,8 +396,8 @@
         <a:cs typeface="+mn-cs"/>
       </a:defRPr>
     </a:lvl3pPr>
-    <a:lvl4pPr marL="1371600" algn="l" defTabSz="914400" rtl="0" eaLnBrk="1" latinLnBrk="0" hangingPunct="1">
-      <a:defRPr sz="1200" kern="1200">
+    <a:lvl4pPr marL="1178479" algn="l" defTabSz="785652" rtl="0" eaLnBrk="1" latinLnBrk="0" hangingPunct="1">
+      <a:defRPr sz="1000" kern="1200">
         <a:solidFill>
           <a:schemeClr val="tx1"/>
         </a:solidFill>
@@ -406,8 +406,8 @@
         <a:cs typeface="+mn-cs"/>
       </a:defRPr>
     </a:lvl4pPr>
-    <a:lvl5pPr marL="1828800" algn="l" defTabSz="914400" rtl="0" eaLnBrk="1" latinLnBrk="0" hangingPunct="1">
-      <a:defRPr sz="1200" kern="1200">
+    <a:lvl5pPr marL="1571305" algn="l" defTabSz="785652" rtl="0" eaLnBrk="1" latinLnBrk="0" hangingPunct="1">
+      <a:defRPr sz="1000" kern="1200">
         <a:solidFill>
           <a:schemeClr val="tx1"/>
         </a:solidFill>
@@ -416,8 +416,8 @@
         <a:cs typeface="+mn-cs"/>
       </a:defRPr>
     </a:lvl5pPr>
-    <a:lvl6pPr marL="2286000" algn="l" defTabSz="914400" rtl="0" eaLnBrk="1" latinLnBrk="0" hangingPunct="1">
-      <a:defRPr sz="1200" kern="1200">
+    <a:lvl6pPr marL="1964131" algn="l" defTabSz="785652" rtl="0" eaLnBrk="1" latinLnBrk="0" hangingPunct="1">
+      <a:defRPr sz="1000" kern="1200">
         <a:solidFill>
           <a:schemeClr val="tx1"/>
         </a:solidFill>
@@ -426,8 +426,8 @@
         <a:cs typeface="+mn-cs"/>
       </a:defRPr>
     </a:lvl6pPr>
-    <a:lvl7pPr marL="2743200" algn="l" defTabSz="914400" rtl="0" eaLnBrk="1" latinLnBrk="0" hangingPunct="1">
-      <a:defRPr sz="1200" kern="1200">
+    <a:lvl7pPr marL="2356957" algn="l" defTabSz="785652" rtl="0" eaLnBrk="1" latinLnBrk="0" hangingPunct="1">
+      <a:defRPr sz="1000" kern="1200">
         <a:solidFill>
           <a:schemeClr val="tx1"/>
         </a:solidFill>
@@ -436,8 +436,8 @@
         <a:cs typeface="+mn-cs"/>
       </a:defRPr>
     </a:lvl7pPr>
-    <a:lvl8pPr marL="3200400" algn="l" defTabSz="914400" rtl="0" eaLnBrk="1" latinLnBrk="0" hangingPunct="1">
-      <a:defRPr sz="1200" kern="1200">
+    <a:lvl8pPr marL="2749784" algn="l" defTabSz="785652" rtl="0" eaLnBrk="1" latinLnBrk="0" hangingPunct="1">
+      <a:defRPr sz="1000" kern="1200">
         <a:solidFill>
           <a:schemeClr val="tx1"/>
         </a:solidFill>
@@ -446,8 +446,8 @@
         <a:cs typeface="+mn-cs"/>
       </a:defRPr>
     </a:lvl8pPr>
-    <a:lvl9pPr marL="3657600" algn="l" defTabSz="914400" rtl="0" eaLnBrk="1" latinLnBrk="0" hangingPunct="1">
-      <a:defRPr sz="1200" kern="1200">
+    <a:lvl9pPr marL="3142610" algn="l" defTabSz="785652" rtl="0" eaLnBrk="1" latinLnBrk="0" hangingPunct="1">
+      <a:defRPr sz="1000" kern="1200">
         <a:solidFill>
           <a:schemeClr val="tx1"/>
         </a:solidFill>
@@ -489,8 +489,8 @@
         </p:nvSpPr>
         <p:spPr>
           <a:xfrm>
-            <a:off x="2190750" y="744538"/>
-            <a:ext cx="2416175" cy="3721100"/>
+            <a:off x="1646238" y="744538"/>
+            <a:ext cx="3505200" cy="3721100"/>
           </a:xfrm>
         </p:spPr>
       </p:sp>
@@ -578,8 +578,8 @@
         </p:nvSpPr>
         <p:spPr>
           <a:xfrm>
-            <a:off x="445532" y="2840569"/>
-            <a:ext cx="5049361" cy="1960033"/>
+            <a:off x="440178" y="1935139"/>
+            <a:ext cx="4988639" cy="1335273"/>
           </a:xfrm>
         </p:spPr>
         <p:txBody>
@@ -606,8 +606,8 @@
         </p:nvSpPr>
         <p:spPr>
           <a:xfrm>
-            <a:off x="891064" y="5181600"/>
-            <a:ext cx="4158298" cy="2336800"/>
+            <a:off x="880350" y="3529967"/>
+            <a:ext cx="4108292" cy="1591945"/>
           </a:xfrm>
         </p:spPr>
         <p:txBody>
@@ -623,7 +623,7 @@
                 </a:solidFill>
               </a:defRPr>
             </a:lvl1pPr>
-            <a:lvl2pPr marL="457200" indent="0" algn="ctr">
+            <a:lvl2pPr marL="392826" indent="0" algn="ctr">
               <a:buNone/>
               <a:defRPr>
                 <a:solidFill>
@@ -633,7 +633,7 @@
                 </a:solidFill>
               </a:defRPr>
             </a:lvl2pPr>
-            <a:lvl3pPr marL="914400" indent="0" algn="ctr">
+            <a:lvl3pPr marL="785652" indent="0" algn="ctr">
               <a:buNone/>
               <a:defRPr>
                 <a:solidFill>
@@ -643,7 +643,7 @@
                 </a:solidFill>
               </a:defRPr>
             </a:lvl3pPr>
-            <a:lvl4pPr marL="1371600" indent="0" algn="ctr">
+            <a:lvl4pPr marL="1178479" indent="0" algn="ctr">
               <a:buNone/>
               <a:defRPr>
                 <a:solidFill>
@@ -653,7 +653,7 @@
                 </a:solidFill>
               </a:defRPr>
             </a:lvl4pPr>
-            <a:lvl5pPr marL="1828800" indent="0" algn="ctr">
+            <a:lvl5pPr marL="1571305" indent="0" algn="ctr">
               <a:buNone/>
               <a:defRPr>
                 <a:solidFill>
@@ -663,7 +663,7 @@
                 </a:solidFill>
               </a:defRPr>
             </a:lvl5pPr>
-            <a:lvl6pPr marL="2286000" indent="0" algn="ctr">
+            <a:lvl6pPr marL="1964131" indent="0" algn="ctr">
               <a:buNone/>
               <a:defRPr>
                 <a:solidFill>
@@ -673,7 +673,7 @@
                 </a:solidFill>
               </a:defRPr>
             </a:lvl6pPr>
-            <a:lvl7pPr marL="2743200" indent="0" algn="ctr">
+            <a:lvl7pPr marL="2356957" indent="0" algn="ctr">
               <a:buNone/>
               <a:defRPr>
                 <a:solidFill>
@@ -683,7 +683,7 @@
                 </a:solidFill>
               </a:defRPr>
             </a:lvl7pPr>
-            <a:lvl8pPr marL="3200400" indent="0" algn="ctr">
+            <a:lvl8pPr marL="2749784" indent="0" algn="ctr">
               <a:buNone/>
               <a:defRPr>
                 <a:solidFill>
@@ -693,7 +693,7 @@
                 </a:solidFill>
               </a:defRPr>
             </a:lvl8pPr>
-            <a:lvl9pPr marL="3657600" indent="0" algn="ctr">
+            <a:lvl9pPr marL="3142610" indent="0" algn="ctr">
               <a:buNone/>
               <a:defRPr>
                 <a:solidFill>
@@ -730,7 +730,7 @@
           <a:p>
             <a:fld id="{252CF840-51FB-49D9-ADDC-0C52DA34DC77}" type="datetimeFigureOut">
               <a:rPr lang="en-US" smtClean="0"/>
-              <a:t>7/10/2017</a:t>
+              <a:t>7/11/2017</a:t>
             </a:fld>
             <a:endParaRPr lang="en-US"/>
           </a:p>
@@ -900,7 +900,7 @@
           <a:p>
             <a:fld id="{252CF840-51FB-49D9-ADDC-0C52DA34DC77}" type="datetimeFigureOut">
               <a:rPr lang="en-US" smtClean="0"/>
-              <a:t>7/10/2017</a:t>
+              <a:t>7/11/2017</a:t>
             </a:fld>
             <a:endParaRPr lang="en-US"/>
           </a:p>
@@ -990,8 +990,8 @@
         </p:nvSpPr>
         <p:spPr>
           <a:xfrm>
-            <a:off x="4306809" y="366188"/>
-            <a:ext cx="1336596" cy="7802033"/>
+            <a:off x="4255018" y="249468"/>
+            <a:ext cx="1320522" cy="5315134"/>
           </a:xfrm>
         </p:spPr>
         <p:txBody>
@@ -1018,8 +1018,8 @@
         </p:nvSpPr>
         <p:spPr>
           <a:xfrm>
-            <a:off x="297022" y="366188"/>
-            <a:ext cx="3910780" cy="7802033"/>
+            <a:off x="293453" y="249468"/>
+            <a:ext cx="3863751" cy="5315134"/>
           </a:xfrm>
         </p:spPr>
         <p:txBody>
@@ -1080,7 +1080,7 @@
           <a:p>
             <a:fld id="{252CF840-51FB-49D9-ADDC-0C52DA34DC77}" type="datetimeFigureOut">
               <a:rPr lang="en-US" smtClean="0"/>
-              <a:t>7/10/2017</a:t>
+              <a:t>7/11/2017</a:t>
             </a:fld>
             <a:endParaRPr lang="en-US"/>
           </a:p>
@@ -1250,7 +1250,7 @@
           <a:p>
             <a:fld id="{252CF840-51FB-49D9-ADDC-0C52DA34DC77}" type="datetimeFigureOut">
               <a:rPr lang="en-US" smtClean="0"/>
-              <a:t>7/10/2017</a:t>
+              <a:t>7/11/2017</a:t>
             </a:fld>
             <a:endParaRPr lang="en-US"/>
           </a:p>
@@ -1340,15 +1340,15 @@
         </p:nvSpPr>
         <p:spPr>
           <a:xfrm>
-            <a:off x="469253" y="5875867"/>
-            <a:ext cx="5049361" cy="1816100"/>
+            <a:off x="463612" y="4002936"/>
+            <a:ext cx="4988639" cy="1237218"/>
           </a:xfrm>
         </p:spPr>
         <p:txBody>
           <a:bodyPr anchor="t"/>
           <a:lstStyle>
             <a:lvl1pPr algn="l">
-              <a:defRPr sz="4000" b="1" cap="all"/>
+              <a:defRPr sz="3400" b="1" cap="all"/>
             </a:lvl1pPr>
           </a:lstStyle>
           <a:p>
@@ -1372,8 +1372,8 @@
         </p:nvSpPr>
         <p:spPr>
           <a:xfrm>
-            <a:off x="469253" y="3875621"/>
-            <a:ext cx="5049361" cy="2000249"/>
+            <a:off x="463612" y="2640268"/>
+            <a:ext cx="4988639" cy="1362670"/>
           </a:xfrm>
         </p:spPr>
         <p:txBody>
@@ -1381,7 +1381,7 @@
           <a:lstStyle>
             <a:lvl1pPr marL="0" indent="0">
               <a:buNone/>
-              <a:defRPr sz="2000">
+              <a:defRPr sz="1700">
                 <a:solidFill>
                   <a:schemeClr val="tx1">
                     <a:tint val="75000"/>
@@ -1389,9 +1389,9 @@
                 </a:solidFill>
               </a:defRPr>
             </a:lvl1pPr>
-            <a:lvl2pPr marL="457200" indent="0">
-              <a:buNone/>
-              <a:defRPr sz="1800">
+            <a:lvl2pPr marL="392826" indent="0">
+              <a:buNone/>
+              <a:defRPr sz="1500">
                 <a:solidFill>
                   <a:schemeClr val="tx1">
                     <a:tint val="75000"/>
@@ -1399,9 +1399,9 @@
                 </a:solidFill>
               </a:defRPr>
             </a:lvl2pPr>
-            <a:lvl3pPr marL="914400" indent="0">
-              <a:buNone/>
-              <a:defRPr sz="1600">
+            <a:lvl3pPr marL="785652" indent="0">
+              <a:buNone/>
+              <a:defRPr sz="1400">
                 <a:solidFill>
                   <a:schemeClr val="tx1">
                     <a:tint val="75000"/>
@@ -1409,9 +1409,9 @@
                 </a:solidFill>
               </a:defRPr>
             </a:lvl3pPr>
-            <a:lvl4pPr marL="1371600" indent="0">
-              <a:buNone/>
-              <a:defRPr sz="1400">
+            <a:lvl4pPr marL="1178479" indent="0">
+              <a:buNone/>
+              <a:defRPr sz="1200">
                 <a:solidFill>
                   <a:schemeClr val="tx1">
                     <a:tint val="75000"/>
@@ -1419,9 +1419,9 @@
                 </a:solidFill>
               </a:defRPr>
             </a:lvl4pPr>
-            <a:lvl5pPr marL="1828800" indent="0">
-              <a:buNone/>
-              <a:defRPr sz="1400">
+            <a:lvl5pPr marL="1571305" indent="0">
+              <a:buNone/>
+              <a:defRPr sz="1200">
                 <a:solidFill>
                   <a:schemeClr val="tx1">
                     <a:tint val="75000"/>
@@ -1429,9 +1429,9 @@
                 </a:solidFill>
               </a:defRPr>
             </a:lvl5pPr>
-            <a:lvl6pPr marL="2286000" indent="0">
-              <a:buNone/>
-              <a:defRPr sz="1400">
+            <a:lvl6pPr marL="1964131" indent="0">
+              <a:buNone/>
+              <a:defRPr sz="1200">
                 <a:solidFill>
                   <a:schemeClr val="tx1">
                     <a:tint val="75000"/>
@@ -1439,9 +1439,9 @@
                 </a:solidFill>
               </a:defRPr>
             </a:lvl6pPr>
-            <a:lvl7pPr marL="2743200" indent="0">
-              <a:buNone/>
-              <a:defRPr sz="1400">
+            <a:lvl7pPr marL="2356957" indent="0">
+              <a:buNone/>
+              <a:defRPr sz="1200">
                 <a:solidFill>
                   <a:schemeClr val="tx1">
                     <a:tint val="75000"/>
@@ -1449,9 +1449,9 @@
                 </a:solidFill>
               </a:defRPr>
             </a:lvl7pPr>
-            <a:lvl8pPr marL="3200400" indent="0">
-              <a:buNone/>
-              <a:defRPr sz="1400">
+            <a:lvl8pPr marL="2749784" indent="0">
+              <a:buNone/>
+              <a:defRPr sz="1200">
                 <a:solidFill>
                   <a:schemeClr val="tx1">
                     <a:tint val="75000"/>
@@ -1459,9 +1459,9 @@
                 </a:solidFill>
               </a:defRPr>
             </a:lvl8pPr>
-            <a:lvl9pPr marL="3657600" indent="0">
-              <a:buNone/>
-              <a:defRPr sz="1400">
+            <a:lvl9pPr marL="3142610" indent="0">
+              <a:buNone/>
+              <a:defRPr sz="1200">
                 <a:solidFill>
                   <a:schemeClr val="tx1">
                     <a:tint val="75000"/>
@@ -1496,7 +1496,7 @@
           <a:p>
             <a:fld id="{252CF840-51FB-49D9-ADDC-0C52DA34DC77}" type="datetimeFigureOut">
               <a:rPr lang="en-US" smtClean="0"/>
-              <a:t>7/10/2017</a:t>
+              <a:t>7/11/2017</a:t>
             </a:fld>
             <a:endParaRPr lang="en-US"/>
           </a:p>
@@ -1609,39 +1609,39 @@
         </p:nvSpPr>
         <p:spPr>
           <a:xfrm>
-            <a:off x="297021" y="2133604"/>
-            <a:ext cx="2623688" cy="6034617"/>
+            <a:off x="293453" y="1453521"/>
+            <a:ext cx="2592137" cy="4111083"/>
           </a:xfrm>
         </p:spPr>
         <p:txBody>
           <a:bodyPr/>
           <a:lstStyle>
             <a:lvl1pPr>
-              <a:defRPr sz="2800"/>
+              <a:defRPr sz="2400"/>
             </a:lvl1pPr>
             <a:lvl2pPr>
-              <a:defRPr sz="2400"/>
+              <a:defRPr sz="2100"/>
             </a:lvl2pPr>
             <a:lvl3pPr>
-              <a:defRPr sz="2000"/>
+              <a:defRPr sz="1700"/>
             </a:lvl3pPr>
             <a:lvl4pPr>
-              <a:defRPr sz="1800"/>
+              <a:defRPr sz="1500"/>
             </a:lvl4pPr>
             <a:lvl5pPr>
-              <a:defRPr sz="1800"/>
+              <a:defRPr sz="1500"/>
             </a:lvl5pPr>
             <a:lvl6pPr>
-              <a:defRPr sz="1800"/>
+              <a:defRPr sz="1500"/>
             </a:lvl6pPr>
             <a:lvl7pPr>
-              <a:defRPr sz="1800"/>
+              <a:defRPr sz="1500"/>
             </a:lvl7pPr>
             <a:lvl8pPr>
-              <a:defRPr sz="1800"/>
+              <a:defRPr sz="1500"/>
             </a:lvl8pPr>
             <a:lvl9pPr>
-              <a:defRPr sz="1800"/>
+              <a:defRPr sz="1500"/>
             </a:lvl9pPr>
           </a:lstStyle>
           <a:p>
@@ -1694,39 +1694,39 @@
         </p:nvSpPr>
         <p:spPr>
           <a:xfrm>
-            <a:off x="3019716" y="2133604"/>
-            <a:ext cx="2623688" cy="6034617"/>
+            <a:off x="2983405" y="1453521"/>
+            <a:ext cx="2592137" cy="4111083"/>
           </a:xfrm>
         </p:spPr>
         <p:txBody>
           <a:bodyPr/>
           <a:lstStyle>
             <a:lvl1pPr>
-              <a:defRPr sz="2800"/>
+              <a:defRPr sz="2400"/>
             </a:lvl1pPr>
             <a:lvl2pPr>
-              <a:defRPr sz="2400"/>
+              <a:defRPr sz="2100"/>
             </a:lvl2pPr>
             <a:lvl3pPr>
-              <a:defRPr sz="2000"/>
+              <a:defRPr sz="1700"/>
             </a:lvl3pPr>
             <a:lvl4pPr>
-              <a:defRPr sz="1800"/>
+              <a:defRPr sz="1500"/>
             </a:lvl4pPr>
             <a:lvl5pPr>
-              <a:defRPr sz="1800"/>
+              <a:defRPr sz="1500"/>
             </a:lvl5pPr>
             <a:lvl6pPr>
-              <a:defRPr sz="1800"/>
+              <a:defRPr sz="1500"/>
             </a:lvl6pPr>
             <a:lvl7pPr>
-              <a:defRPr sz="1800"/>
+              <a:defRPr sz="1500"/>
             </a:lvl7pPr>
             <a:lvl8pPr>
-              <a:defRPr sz="1800"/>
+              <a:defRPr sz="1500"/>
             </a:lvl8pPr>
             <a:lvl9pPr>
-              <a:defRPr sz="1800"/>
+              <a:defRPr sz="1500"/>
             </a:lvl9pPr>
           </a:lstStyle>
           <a:p>
@@ -1784,7 +1784,7 @@
           <a:p>
             <a:fld id="{252CF840-51FB-49D9-ADDC-0C52DA34DC77}" type="datetimeFigureOut">
               <a:rPr lang="en-US" smtClean="0"/>
-              <a:t>7/10/2017</a:t>
+              <a:t>7/11/2017</a:t>
             </a:fld>
             <a:endParaRPr lang="en-US"/>
           </a:p>
@@ -1901,8 +1901,8 @@
         </p:nvSpPr>
         <p:spPr>
           <a:xfrm>
-            <a:off x="297022" y="2046817"/>
-            <a:ext cx="2624720" cy="853016"/>
+            <a:off x="293450" y="1394395"/>
+            <a:ext cx="2593157" cy="581118"/>
           </a:xfrm>
         </p:spPr>
         <p:txBody>
@@ -1910,39 +1910,39 @@
           <a:lstStyle>
             <a:lvl1pPr marL="0" indent="0">
               <a:buNone/>
-              <a:defRPr sz="2400" b="1"/>
+              <a:defRPr sz="2100" b="1"/>
             </a:lvl1pPr>
-            <a:lvl2pPr marL="457200" indent="0">
-              <a:buNone/>
-              <a:defRPr sz="2000" b="1"/>
+            <a:lvl2pPr marL="392826" indent="0">
+              <a:buNone/>
+              <a:defRPr sz="1700" b="1"/>
             </a:lvl2pPr>
-            <a:lvl3pPr marL="914400" indent="0">
-              <a:buNone/>
-              <a:defRPr sz="1800" b="1"/>
+            <a:lvl3pPr marL="785652" indent="0">
+              <a:buNone/>
+              <a:defRPr sz="1500" b="1"/>
             </a:lvl3pPr>
-            <a:lvl4pPr marL="1371600" indent="0">
-              <a:buNone/>
-              <a:defRPr sz="1600" b="1"/>
+            <a:lvl4pPr marL="1178479" indent="0">
+              <a:buNone/>
+              <a:defRPr sz="1400" b="1"/>
             </a:lvl4pPr>
-            <a:lvl5pPr marL="1828800" indent="0">
-              <a:buNone/>
-              <a:defRPr sz="1600" b="1"/>
+            <a:lvl5pPr marL="1571305" indent="0">
+              <a:buNone/>
+              <a:defRPr sz="1400" b="1"/>
             </a:lvl5pPr>
-            <a:lvl6pPr marL="2286000" indent="0">
-              <a:buNone/>
-              <a:defRPr sz="1600" b="1"/>
+            <a:lvl6pPr marL="1964131" indent="0">
+              <a:buNone/>
+              <a:defRPr sz="1400" b="1"/>
             </a:lvl6pPr>
-            <a:lvl7pPr marL="2743200" indent="0">
-              <a:buNone/>
-              <a:defRPr sz="1600" b="1"/>
+            <a:lvl7pPr marL="2356957" indent="0">
+              <a:buNone/>
+              <a:defRPr sz="1400" b="1"/>
             </a:lvl7pPr>
-            <a:lvl8pPr marL="3200400" indent="0">
-              <a:buNone/>
-              <a:defRPr sz="1600" b="1"/>
+            <a:lvl8pPr marL="2749784" indent="0">
+              <a:buNone/>
+              <a:defRPr sz="1400" b="1"/>
             </a:lvl8pPr>
-            <a:lvl9pPr marL="3657600" indent="0">
-              <a:buNone/>
-              <a:defRPr sz="1600" b="1"/>
+            <a:lvl9pPr marL="3142610" indent="0">
+              <a:buNone/>
+              <a:defRPr sz="1400" b="1"/>
             </a:lvl9pPr>
           </a:lstStyle>
           <a:p>
@@ -1966,39 +1966,39 @@
         </p:nvSpPr>
         <p:spPr>
           <a:xfrm>
-            <a:off x="297022" y="2899833"/>
-            <a:ext cx="2624720" cy="5268384"/>
+            <a:off x="293450" y="1975512"/>
+            <a:ext cx="2593157" cy="3589086"/>
           </a:xfrm>
         </p:spPr>
         <p:txBody>
           <a:bodyPr/>
           <a:lstStyle>
             <a:lvl1pPr>
-              <a:defRPr sz="2400"/>
+              <a:defRPr sz="2100"/>
             </a:lvl1pPr>
             <a:lvl2pPr>
-              <a:defRPr sz="2000"/>
+              <a:defRPr sz="1700"/>
             </a:lvl2pPr>
             <a:lvl3pPr>
-              <a:defRPr sz="1800"/>
+              <a:defRPr sz="1500"/>
             </a:lvl3pPr>
             <a:lvl4pPr>
-              <a:defRPr sz="1600"/>
+              <a:defRPr sz="1400"/>
             </a:lvl4pPr>
             <a:lvl5pPr>
-              <a:defRPr sz="1600"/>
+              <a:defRPr sz="1400"/>
             </a:lvl5pPr>
             <a:lvl6pPr>
-              <a:defRPr sz="1600"/>
+              <a:defRPr sz="1400"/>
             </a:lvl6pPr>
             <a:lvl7pPr>
-              <a:defRPr sz="1600"/>
+              <a:defRPr sz="1400"/>
             </a:lvl7pPr>
             <a:lvl8pPr>
-              <a:defRPr sz="1600"/>
+              <a:defRPr sz="1400"/>
             </a:lvl8pPr>
             <a:lvl9pPr>
-              <a:defRPr sz="1600"/>
+              <a:defRPr sz="1400"/>
             </a:lvl9pPr>
           </a:lstStyle>
           <a:p>
@@ -2051,8 +2051,8 @@
         </p:nvSpPr>
         <p:spPr>
           <a:xfrm>
-            <a:off x="3017654" y="2046817"/>
-            <a:ext cx="2625751" cy="853016"/>
+            <a:off x="2981368" y="1394395"/>
+            <a:ext cx="2594174" cy="581118"/>
           </a:xfrm>
         </p:spPr>
         <p:txBody>
@@ -2060,39 +2060,39 @@
           <a:lstStyle>
             <a:lvl1pPr marL="0" indent="0">
               <a:buNone/>
-              <a:defRPr sz="2400" b="1"/>
+              <a:defRPr sz="2100" b="1"/>
             </a:lvl1pPr>
-            <a:lvl2pPr marL="457200" indent="0">
-              <a:buNone/>
-              <a:defRPr sz="2000" b="1"/>
+            <a:lvl2pPr marL="392826" indent="0">
+              <a:buNone/>
+              <a:defRPr sz="1700" b="1"/>
             </a:lvl2pPr>
-            <a:lvl3pPr marL="914400" indent="0">
-              <a:buNone/>
-              <a:defRPr sz="1800" b="1"/>
+            <a:lvl3pPr marL="785652" indent="0">
+              <a:buNone/>
+              <a:defRPr sz="1500" b="1"/>
             </a:lvl3pPr>
-            <a:lvl4pPr marL="1371600" indent="0">
-              <a:buNone/>
-              <a:defRPr sz="1600" b="1"/>
+            <a:lvl4pPr marL="1178479" indent="0">
+              <a:buNone/>
+              <a:defRPr sz="1400" b="1"/>
             </a:lvl4pPr>
-            <a:lvl5pPr marL="1828800" indent="0">
-              <a:buNone/>
-              <a:defRPr sz="1600" b="1"/>
+            <a:lvl5pPr marL="1571305" indent="0">
+              <a:buNone/>
+              <a:defRPr sz="1400" b="1"/>
             </a:lvl5pPr>
-            <a:lvl6pPr marL="2286000" indent="0">
-              <a:buNone/>
-              <a:defRPr sz="1600" b="1"/>
+            <a:lvl6pPr marL="1964131" indent="0">
+              <a:buNone/>
+              <a:defRPr sz="1400" b="1"/>
             </a:lvl6pPr>
-            <a:lvl7pPr marL="2743200" indent="0">
-              <a:buNone/>
-              <a:defRPr sz="1600" b="1"/>
+            <a:lvl7pPr marL="2356957" indent="0">
+              <a:buNone/>
+              <a:defRPr sz="1400" b="1"/>
             </a:lvl7pPr>
-            <a:lvl8pPr marL="3200400" indent="0">
-              <a:buNone/>
-              <a:defRPr sz="1600" b="1"/>
+            <a:lvl8pPr marL="2749784" indent="0">
+              <a:buNone/>
+              <a:defRPr sz="1400" b="1"/>
             </a:lvl8pPr>
-            <a:lvl9pPr marL="3657600" indent="0">
-              <a:buNone/>
-              <a:defRPr sz="1600" b="1"/>
+            <a:lvl9pPr marL="3142610" indent="0">
+              <a:buNone/>
+              <a:defRPr sz="1400" b="1"/>
             </a:lvl9pPr>
           </a:lstStyle>
           <a:p>
@@ -2116,39 +2116,39 @@
         </p:nvSpPr>
         <p:spPr>
           <a:xfrm>
-            <a:off x="3017654" y="2899833"/>
-            <a:ext cx="2625751" cy="5268384"/>
+            <a:off x="2981368" y="1975512"/>
+            <a:ext cx="2594174" cy="3589086"/>
           </a:xfrm>
         </p:spPr>
         <p:txBody>
           <a:bodyPr/>
           <a:lstStyle>
             <a:lvl1pPr>
-              <a:defRPr sz="2400"/>
+              <a:defRPr sz="2100"/>
             </a:lvl1pPr>
             <a:lvl2pPr>
-              <a:defRPr sz="2000"/>
+              <a:defRPr sz="1700"/>
             </a:lvl2pPr>
             <a:lvl3pPr>
-              <a:defRPr sz="1800"/>
+              <a:defRPr sz="1500"/>
             </a:lvl3pPr>
             <a:lvl4pPr>
-              <a:defRPr sz="1600"/>
+              <a:defRPr sz="1400"/>
             </a:lvl4pPr>
             <a:lvl5pPr>
-              <a:defRPr sz="1600"/>
+              <a:defRPr sz="1400"/>
             </a:lvl5pPr>
             <a:lvl6pPr>
-              <a:defRPr sz="1600"/>
+              <a:defRPr sz="1400"/>
             </a:lvl6pPr>
             <a:lvl7pPr>
-              <a:defRPr sz="1600"/>
+              <a:defRPr sz="1400"/>
             </a:lvl7pPr>
             <a:lvl8pPr>
-              <a:defRPr sz="1600"/>
+              <a:defRPr sz="1400"/>
             </a:lvl8pPr>
             <a:lvl9pPr>
-              <a:defRPr sz="1600"/>
+              <a:defRPr sz="1400"/>
             </a:lvl9pPr>
           </a:lstStyle>
           <a:p>
@@ -2206,7 +2206,7 @@
           <a:p>
             <a:fld id="{252CF840-51FB-49D9-ADDC-0C52DA34DC77}" type="datetimeFigureOut">
               <a:rPr lang="en-US" smtClean="0"/>
-              <a:t>7/10/2017</a:t>
+              <a:t>7/11/2017</a:t>
             </a:fld>
             <a:endParaRPr lang="en-US"/>
           </a:p>
@@ -2324,7 +2324,7 @@
           <a:p>
             <a:fld id="{252CF840-51FB-49D9-ADDC-0C52DA34DC77}" type="datetimeFigureOut">
               <a:rPr lang="en-US" smtClean="0"/>
-              <a:t>7/10/2017</a:t>
+              <a:t>7/11/2017</a:t>
             </a:fld>
             <a:endParaRPr lang="en-US"/>
           </a:p>
@@ -2419,7 +2419,7 @@
           <a:p>
             <a:fld id="{252CF840-51FB-49D9-ADDC-0C52DA34DC77}" type="datetimeFigureOut">
               <a:rPr lang="en-US" smtClean="0"/>
-              <a:t>7/10/2017</a:t>
+              <a:t>7/11/2017</a:t>
             </a:fld>
             <a:endParaRPr lang="en-US"/>
           </a:p>
@@ -2509,15 +2509,15 @@
         </p:nvSpPr>
         <p:spPr>
           <a:xfrm>
-            <a:off x="297023" y="364067"/>
-            <a:ext cx="1954359" cy="1549400"/>
+            <a:off x="293454" y="248023"/>
+            <a:ext cx="1930857" cy="1055529"/>
           </a:xfrm>
         </p:spPr>
         <p:txBody>
           <a:bodyPr anchor="b"/>
           <a:lstStyle>
             <a:lvl1pPr algn="l">
-              <a:defRPr sz="2000" b="1"/>
+              <a:defRPr sz="1700" b="1"/>
             </a:lvl1pPr>
           </a:lstStyle>
           <a:p>
@@ -2541,39 +2541,39 @@
         </p:nvSpPr>
         <p:spPr>
           <a:xfrm>
-            <a:off x="2322541" y="364070"/>
-            <a:ext cx="3320863" cy="7804151"/>
+            <a:off x="2294612" y="248023"/>
+            <a:ext cx="3280928" cy="5316579"/>
           </a:xfrm>
         </p:spPr>
         <p:txBody>
           <a:bodyPr/>
           <a:lstStyle>
             <a:lvl1pPr>
-              <a:defRPr sz="3200"/>
+              <a:defRPr sz="2700"/>
             </a:lvl1pPr>
             <a:lvl2pPr>
-              <a:defRPr sz="2800"/>
+              <a:defRPr sz="2400"/>
             </a:lvl2pPr>
             <a:lvl3pPr>
-              <a:defRPr sz="2400"/>
+              <a:defRPr sz="2100"/>
             </a:lvl3pPr>
             <a:lvl4pPr>
-              <a:defRPr sz="2000"/>
+              <a:defRPr sz="1700"/>
             </a:lvl4pPr>
             <a:lvl5pPr>
-              <a:defRPr sz="2000"/>
+              <a:defRPr sz="1700"/>
             </a:lvl5pPr>
             <a:lvl6pPr>
-              <a:defRPr sz="2000"/>
+              <a:defRPr sz="1700"/>
             </a:lvl6pPr>
             <a:lvl7pPr>
-              <a:defRPr sz="2000"/>
+              <a:defRPr sz="1700"/>
             </a:lvl7pPr>
             <a:lvl8pPr>
-              <a:defRPr sz="2000"/>
+              <a:defRPr sz="1700"/>
             </a:lvl8pPr>
             <a:lvl9pPr>
-              <a:defRPr sz="2000"/>
+              <a:defRPr sz="1700"/>
             </a:lvl9pPr>
           </a:lstStyle>
           <a:p>
@@ -2626,8 +2626,8 @@
         </p:nvSpPr>
         <p:spPr>
           <a:xfrm>
-            <a:off x="297023" y="1913470"/>
-            <a:ext cx="1954359" cy="6254751"/>
+            <a:off x="293454" y="1303553"/>
+            <a:ext cx="1930857" cy="4261048"/>
           </a:xfrm>
         </p:spPr>
         <p:txBody>
@@ -2635,39 +2635,39 @@
           <a:lstStyle>
             <a:lvl1pPr marL="0" indent="0">
               <a:buNone/>
-              <a:defRPr sz="1400"/>
+              <a:defRPr sz="1200"/>
             </a:lvl1pPr>
-            <a:lvl2pPr marL="457200" indent="0">
-              <a:buNone/>
-              <a:defRPr sz="1200"/>
+            <a:lvl2pPr marL="392826" indent="0">
+              <a:buNone/>
+              <a:defRPr sz="1000"/>
             </a:lvl2pPr>
-            <a:lvl3pPr marL="914400" indent="0">
-              <a:buNone/>
-              <a:defRPr sz="1000"/>
+            <a:lvl3pPr marL="785652" indent="0">
+              <a:buNone/>
+              <a:defRPr sz="900"/>
             </a:lvl3pPr>
-            <a:lvl4pPr marL="1371600" indent="0">
-              <a:buNone/>
-              <a:defRPr sz="900"/>
+            <a:lvl4pPr marL="1178479" indent="0">
+              <a:buNone/>
+              <a:defRPr sz="800"/>
             </a:lvl4pPr>
-            <a:lvl5pPr marL="1828800" indent="0">
-              <a:buNone/>
-              <a:defRPr sz="900"/>
+            <a:lvl5pPr marL="1571305" indent="0">
+              <a:buNone/>
+              <a:defRPr sz="800"/>
             </a:lvl5pPr>
-            <a:lvl6pPr marL="2286000" indent="0">
-              <a:buNone/>
-              <a:defRPr sz="900"/>
+            <a:lvl6pPr marL="1964131" indent="0">
+              <a:buNone/>
+              <a:defRPr sz="800"/>
             </a:lvl6pPr>
-            <a:lvl7pPr marL="2743200" indent="0">
-              <a:buNone/>
-              <a:defRPr sz="900"/>
+            <a:lvl7pPr marL="2356957" indent="0">
+              <a:buNone/>
+              <a:defRPr sz="800"/>
             </a:lvl7pPr>
-            <a:lvl8pPr marL="3200400" indent="0">
-              <a:buNone/>
-              <a:defRPr sz="900"/>
+            <a:lvl8pPr marL="2749784" indent="0">
+              <a:buNone/>
+              <a:defRPr sz="800"/>
             </a:lvl8pPr>
-            <a:lvl9pPr marL="3657600" indent="0">
-              <a:buNone/>
-              <a:defRPr sz="900"/>
+            <a:lvl9pPr marL="3142610" indent="0">
+              <a:buNone/>
+              <a:defRPr sz="800"/>
             </a:lvl9pPr>
           </a:lstStyle>
           <a:p>
@@ -2696,7 +2696,7 @@
           <a:p>
             <a:fld id="{252CF840-51FB-49D9-ADDC-0C52DA34DC77}" type="datetimeFigureOut">
               <a:rPr lang="en-US" smtClean="0"/>
-              <a:t>7/10/2017</a:t>
+              <a:t>7/11/2017</a:t>
             </a:fld>
             <a:endParaRPr lang="en-US"/>
           </a:p>
@@ -2786,15 +2786,15 @@
         </p:nvSpPr>
         <p:spPr>
           <a:xfrm>
-            <a:off x="1164365" y="6400803"/>
-            <a:ext cx="3564255" cy="755651"/>
+            <a:off x="1150367" y="4360550"/>
+            <a:ext cx="3521393" cy="514786"/>
           </a:xfrm>
         </p:spPr>
         <p:txBody>
           <a:bodyPr anchor="b"/>
           <a:lstStyle>
             <a:lvl1pPr algn="l">
-              <a:defRPr sz="2000" b="1"/>
+              <a:defRPr sz="1700" b="1"/>
             </a:lvl1pPr>
           </a:lstStyle>
           <a:p>
@@ -2818,8 +2818,8 @@
         </p:nvSpPr>
         <p:spPr>
           <a:xfrm>
-            <a:off x="1164365" y="817033"/>
-            <a:ext cx="3564255" cy="5486400"/>
+            <a:off x="1150367" y="556605"/>
+            <a:ext cx="3521393" cy="3737610"/>
           </a:xfrm>
         </p:spPr>
         <p:txBody>
@@ -2827,39 +2827,39 @@
           <a:lstStyle>
             <a:lvl1pPr marL="0" indent="0">
               <a:buNone/>
-              <a:defRPr sz="3200"/>
+              <a:defRPr sz="2700"/>
             </a:lvl1pPr>
-            <a:lvl2pPr marL="457200" indent="0">
-              <a:buNone/>
-              <a:defRPr sz="2800"/>
+            <a:lvl2pPr marL="392826" indent="0">
+              <a:buNone/>
+              <a:defRPr sz="2400"/>
             </a:lvl2pPr>
-            <a:lvl3pPr marL="914400" indent="0">
-              <a:buNone/>
-              <a:defRPr sz="2400"/>
+            <a:lvl3pPr marL="785652" indent="0">
+              <a:buNone/>
+              <a:defRPr sz="2100"/>
             </a:lvl3pPr>
-            <a:lvl4pPr marL="1371600" indent="0">
-              <a:buNone/>
-              <a:defRPr sz="2000"/>
+            <a:lvl4pPr marL="1178479" indent="0">
+              <a:buNone/>
+              <a:defRPr sz="1700"/>
             </a:lvl4pPr>
-            <a:lvl5pPr marL="1828800" indent="0">
-              <a:buNone/>
-              <a:defRPr sz="2000"/>
+            <a:lvl5pPr marL="1571305" indent="0">
+              <a:buNone/>
+              <a:defRPr sz="1700"/>
             </a:lvl5pPr>
-            <a:lvl6pPr marL="2286000" indent="0">
-              <a:buNone/>
-              <a:defRPr sz="2000"/>
+            <a:lvl6pPr marL="1964131" indent="0">
+              <a:buNone/>
+              <a:defRPr sz="1700"/>
             </a:lvl6pPr>
-            <a:lvl7pPr marL="2743200" indent="0">
-              <a:buNone/>
-              <a:defRPr sz="2000"/>
+            <a:lvl7pPr marL="2356957" indent="0">
+              <a:buNone/>
+              <a:defRPr sz="1700"/>
             </a:lvl7pPr>
-            <a:lvl8pPr marL="3200400" indent="0">
-              <a:buNone/>
-              <a:defRPr sz="2000"/>
+            <a:lvl8pPr marL="2749784" indent="0">
+              <a:buNone/>
+              <a:defRPr sz="1700"/>
             </a:lvl8pPr>
-            <a:lvl9pPr marL="3657600" indent="0">
-              <a:buNone/>
-              <a:defRPr sz="2000"/>
+            <a:lvl9pPr marL="3142610" indent="0">
+              <a:buNone/>
+              <a:defRPr sz="1700"/>
             </a:lvl9pPr>
           </a:lstStyle>
           <a:p>
@@ -2879,8 +2879,8 @@
         </p:nvSpPr>
         <p:spPr>
           <a:xfrm>
-            <a:off x="1164365" y="7156454"/>
-            <a:ext cx="3564255" cy="1073149"/>
+            <a:off x="1150367" y="4875337"/>
+            <a:ext cx="3521393" cy="731083"/>
           </a:xfrm>
         </p:spPr>
         <p:txBody>
@@ -2888,39 +2888,39 @@
           <a:lstStyle>
             <a:lvl1pPr marL="0" indent="0">
               <a:buNone/>
-              <a:defRPr sz="1400"/>
+              <a:defRPr sz="1200"/>
             </a:lvl1pPr>
-            <a:lvl2pPr marL="457200" indent="0">
-              <a:buNone/>
-              <a:defRPr sz="1200"/>
+            <a:lvl2pPr marL="392826" indent="0">
+              <a:buNone/>
+              <a:defRPr sz="1000"/>
             </a:lvl2pPr>
-            <a:lvl3pPr marL="914400" indent="0">
-              <a:buNone/>
-              <a:defRPr sz="1000"/>
+            <a:lvl3pPr marL="785652" indent="0">
+              <a:buNone/>
+              <a:defRPr sz="900"/>
             </a:lvl3pPr>
-            <a:lvl4pPr marL="1371600" indent="0">
-              <a:buNone/>
-              <a:defRPr sz="900"/>
+            <a:lvl4pPr marL="1178479" indent="0">
+              <a:buNone/>
+              <a:defRPr sz="800"/>
             </a:lvl4pPr>
-            <a:lvl5pPr marL="1828800" indent="0">
-              <a:buNone/>
-              <a:defRPr sz="900"/>
+            <a:lvl5pPr marL="1571305" indent="0">
+              <a:buNone/>
+              <a:defRPr sz="800"/>
             </a:lvl5pPr>
-            <a:lvl6pPr marL="2286000" indent="0">
-              <a:buNone/>
-              <a:defRPr sz="900"/>
+            <a:lvl6pPr marL="1964131" indent="0">
+              <a:buNone/>
+              <a:defRPr sz="800"/>
             </a:lvl6pPr>
-            <a:lvl7pPr marL="2743200" indent="0">
-              <a:buNone/>
-              <a:defRPr sz="900"/>
+            <a:lvl7pPr marL="2356957" indent="0">
+              <a:buNone/>
+              <a:defRPr sz="800"/>
             </a:lvl7pPr>
-            <a:lvl8pPr marL="3200400" indent="0">
-              <a:buNone/>
-              <a:defRPr sz="900"/>
+            <a:lvl8pPr marL="2749784" indent="0">
+              <a:buNone/>
+              <a:defRPr sz="800"/>
             </a:lvl8pPr>
-            <a:lvl9pPr marL="3657600" indent="0">
-              <a:buNone/>
-              <a:defRPr sz="900"/>
+            <a:lvl9pPr marL="3142610" indent="0">
+              <a:buNone/>
+              <a:defRPr sz="800"/>
             </a:lvl9pPr>
           </a:lstStyle>
           <a:p>
@@ -2949,7 +2949,7 @@
           <a:p>
             <a:fld id="{252CF840-51FB-49D9-ADDC-0C52DA34DC77}" type="datetimeFigureOut">
               <a:rPr lang="en-US" smtClean="0"/>
-              <a:t>7/10/2017</a:t>
+              <a:t>7/11/2017</a:t>
             </a:fld>
             <a:endParaRPr lang="en-US"/>
           </a:p>
@@ -3044,15 +3044,15 @@
         </p:nvSpPr>
         <p:spPr>
           <a:xfrm>
-            <a:off x="297022" y="366184"/>
-            <a:ext cx="5346382" cy="1524000"/>
+            <a:off x="293453" y="249464"/>
+            <a:ext cx="5282089" cy="1038226"/>
           </a:xfrm>
           <a:prstGeom prst="rect">
             <a:avLst/>
           </a:prstGeom>
         </p:spPr>
         <p:txBody>
-          <a:bodyPr vert="horz" lIns="91440" tIns="45720" rIns="91440" bIns="45720" rtlCol="0" anchor="ctr">
+          <a:bodyPr vert="horz" lIns="78565" tIns="39283" rIns="78565" bIns="39283" rtlCol="0" anchor="ctr">
             <a:normAutofit/>
           </a:bodyPr>
           <a:lstStyle/>
@@ -3077,15 +3077,15 @@
         </p:nvSpPr>
         <p:spPr>
           <a:xfrm>
-            <a:off x="297022" y="2133604"/>
-            <a:ext cx="5346382" cy="6034617"/>
+            <a:off x="293453" y="1453521"/>
+            <a:ext cx="5282089" cy="4111083"/>
           </a:xfrm>
           <a:prstGeom prst="rect">
             <a:avLst/>
           </a:prstGeom>
         </p:spPr>
         <p:txBody>
-          <a:bodyPr vert="horz" lIns="91440" tIns="45720" rIns="91440" bIns="45720" rtlCol="0">
+          <a:bodyPr vert="horz" lIns="78565" tIns="39283" rIns="78565" bIns="39283" rtlCol="0">
             <a:normAutofit/>
           </a:bodyPr>
           <a:lstStyle/>
@@ -3139,18 +3139,18 @@
         </p:nvSpPr>
         <p:spPr>
           <a:xfrm>
-            <a:off x="297022" y="8475137"/>
-            <a:ext cx="1386099" cy="486833"/>
+            <a:off x="293454" y="5773689"/>
+            <a:ext cx="1369431" cy="331656"/>
           </a:xfrm>
           <a:prstGeom prst="rect">
             <a:avLst/>
           </a:prstGeom>
         </p:spPr>
         <p:txBody>
-          <a:bodyPr vert="horz" lIns="91440" tIns="45720" rIns="91440" bIns="45720" rtlCol="0" anchor="ctr"/>
+          <a:bodyPr vert="horz" lIns="78565" tIns="39283" rIns="78565" bIns="39283" rtlCol="0" anchor="ctr"/>
           <a:lstStyle>
             <a:lvl1pPr algn="l">
-              <a:defRPr sz="1200">
+              <a:defRPr sz="1000">
                 <a:solidFill>
                   <a:schemeClr val="tx1">
                     <a:tint val="75000"/>
@@ -3162,7 +3162,7 @@
           <a:p>
             <a:fld id="{252CF840-51FB-49D9-ADDC-0C52DA34DC77}" type="datetimeFigureOut">
               <a:rPr lang="en-US" smtClean="0"/>
-              <a:t>7/10/2017</a:t>
+              <a:t>7/11/2017</a:t>
             </a:fld>
             <a:endParaRPr lang="en-US"/>
           </a:p>
@@ -3180,18 +3180,18 @@
         </p:nvSpPr>
         <p:spPr>
           <a:xfrm>
-            <a:off x="2029646" y="8475137"/>
-            <a:ext cx="1881134" cy="486833"/>
+            <a:off x="2005239" y="5773689"/>
+            <a:ext cx="1858512" cy="331656"/>
           </a:xfrm>
           <a:prstGeom prst="rect">
             <a:avLst/>
           </a:prstGeom>
         </p:spPr>
         <p:txBody>
-          <a:bodyPr vert="horz" lIns="91440" tIns="45720" rIns="91440" bIns="45720" rtlCol="0" anchor="ctr"/>
+          <a:bodyPr vert="horz" lIns="78565" tIns="39283" rIns="78565" bIns="39283" rtlCol="0" anchor="ctr"/>
           <a:lstStyle>
             <a:lvl1pPr algn="ctr">
-              <a:defRPr sz="1200">
+              <a:defRPr sz="1000">
                 <a:solidFill>
                   <a:schemeClr val="tx1">
                     <a:tint val="75000"/>
@@ -3217,18 +3217,18 @@
         </p:nvSpPr>
         <p:spPr>
           <a:xfrm>
-            <a:off x="4257304" y="8475137"/>
-            <a:ext cx="1386099" cy="486833"/>
+            <a:off x="4206111" y="5773689"/>
+            <a:ext cx="1369431" cy="331656"/>
           </a:xfrm>
           <a:prstGeom prst="rect">
             <a:avLst/>
           </a:prstGeom>
         </p:spPr>
         <p:txBody>
-          <a:bodyPr vert="horz" lIns="91440" tIns="45720" rIns="91440" bIns="45720" rtlCol="0" anchor="ctr"/>
+          <a:bodyPr vert="horz" lIns="78565" tIns="39283" rIns="78565" bIns="39283" rtlCol="0" anchor="ctr"/>
           <a:lstStyle>
             <a:lvl1pPr algn="r">
-              <a:defRPr sz="1200">
+              <a:defRPr sz="1000">
                 <a:solidFill>
                   <a:schemeClr val="tx1">
                     <a:tint val="75000"/>
@@ -3269,12 +3269,12 @@
   </p:sldLayoutIdLst>
   <p:txStyles>
     <p:titleStyle>
-      <a:lvl1pPr algn="ctr" defTabSz="914400" rtl="0" eaLnBrk="1" latinLnBrk="0" hangingPunct="1">
+      <a:lvl1pPr algn="ctr" defTabSz="785652" rtl="0" eaLnBrk="1" latinLnBrk="0" hangingPunct="1">
         <a:spcBef>
           <a:spcPct val="0"/>
         </a:spcBef>
         <a:buNone/>
-        <a:defRPr sz="4400" kern="1200">
+        <a:defRPr sz="3800" kern="1200">
           <a:solidFill>
             <a:schemeClr val="tx1"/>
           </a:solidFill>
@@ -3285,13 +3285,13 @@
       </a:lvl1pPr>
     </p:titleStyle>
     <p:bodyStyle>
-      <a:lvl1pPr marL="342900" indent="-342900" algn="l" defTabSz="914400" rtl="0" eaLnBrk="1" latinLnBrk="0" hangingPunct="1">
+      <a:lvl1pPr marL="294620" indent="-294620" algn="l" defTabSz="785652" rtl="0" eaLnBrk="1" latinLnBrk="0" hangingPunct="1">
         <a:spcBef>
           <a:spcPct val="20000"/>
         </a:spcBef>
         <a:buFont typeface="Arial" panose="020B0604020202020204" pitchFamily="34" charset="0"/>
         <a:buChar char="•"/>
-        <a:defRPr sz="3200" kern="1200">
+        <a:defRPr sz="2700" kern="1200">
           <a:solidFill>
             <a:schemeClr val="tx1"/>
           </a:solidFill>
@@ -3300,13 +3300,13 @@
           <a:cs typeface="+mn-cs"/>
         </a:defRPr>
       </a:lvl1pPr>
-      <a:lvl2pPr marL="742950" indent="-285750" algn="l" defTabSz="914400" rtl="0" eaLnBrk="1" latinLnBrk="0" hangingPunct="1">
+      <a:lvl2pPr marL="638343" indent="-245516" algn="l" defTabSz="785652" rtl="0" eaLnBrk="1" latinLnBrk="0" hangingPunct="1">
         <a:spcBef>
           <a:spcPct val="20000"/>
         </a:spcBef>
         <a:buFont typeface="Arial" panose="020B0604020202020204" pitchFamily="34" charset="0"/>
         <a:buChar char="–"/>
-        <a:defRPr sz="2800" kern="1200">
+        <a:defRPr sz="2400" kern="1200">
           <a:solidFill>
             <a:schemeClr val="tx1"/>
           </a:solidFill>
@@ -3315,13 +3315,13 @@
           <a:cs typeface="+mn-cs"/>
         </a:defRPr>
       </a:lvl2pPr>
-      <a:lvl3pPr marL="1143000" indent="-228600" algn="l" defTabSz="914400" rtl="0" eaLnBrk="1" latinLnBrk="0" hangingPunct="1">
+      <a:lvl3pPr marL="982066" indent="-196413" algn="l" defTabSz="785652" rtl="0" eaLnBrk="1" latinLnBrk="0" hangingPunct="1">
         <a:spcBef>
           <a:spcPct val="20000"/>
         </a:spcBef>
         <a:buFont typeface="Arial" panose="020B0604020202020204" pitchFamily="34" charset="0"/>
         <a:buChar char="•"/>
-        <a:defRPr sz="2400" kern="1200">
+        <a:defRPr sz="2100" kern="1200">
           <a:solidFill>
             <a:schemeClr val="tx1"/>
           </a:solidFill>
@@ -3330,13 +3330,13 @@
           <a:cs typeface="+mn-cs"/>
         </a:defRPr>
       </a:lvl3pPr>
-      <a:lvl4pPr marL="1600200" indent="-228600" algn="l" defTabSz="914400" rtl="0" eaLnBrk="1" latinLnBrk="0" hangingPunct="1">
+      <a:lvl4pPr marL="1374892" indent="-196413" algn="l" defTabSz="785652" rtl="0" eaLnBrk="1" latinLnBrk="0" hangingPunct="1">
         <a:spcBef>
           <a:spcPct val="20000"/>
         </a:spcBef>
         <a:buFont typeface="Arial" panose="020B0604020202020204" pitchFamily="34" charset="0"/>
         <a:buChar char="–"/>
-        <a:defRPr sz="2000" kern="1200">
+        <a:defRPr sz="1700" kern="1200">
           <a:solidFill>
             <a:schemeClr val="tx1"/>
           </a:solidFill>
@@ -3345,13 +3345,13 @@
           <a:cs typeface="+mn-cs"/>
         </a:defRPr>
       </a:lvl4pPr>
-      <a:lvl5pPr marL="2057400" indent="-228600" algn="l" defTabSz="914400" rtl="0" eaLnBrk="1" latinLnBrk="0" hangingPunct="1">
+      <a:lvl5pPr marL="1767718" indent="-196413" algn="l" defTabSz="785652" rtl="0" eaLnBrk="1" latinLnBrk="0" hangingPunct="1">
         <a:spcBef>
           <a:spcPct val="20000"/>
         </a:spcBef>
         <a:buFont typeface="Arial" panose="020B0604020202020204" pitchFamily="34" charset="0"/>
         <a:buChar char="»"/>
-        <a:defRPr sz="2000" kern="1200">
+        <a:defRPr sz="1700" kern="1200">
           <a:solidFill>
             <a:schemeClr val="tx1"/>
           </a:solidFill>
@@ -3360,13 +3360,13 @@
           <a:cs typeface="+mn-cs"/>
         </a:defRPr>
       </a:lvl5pPr>
-      <a:lvl6pPr marL="2514600" indent="-228600" algn="l" defTabSz="914400" rtl="0" eaLnBrk="1" latinLnBrk="0" hangingPunct="1">
+      <a:lvl6pPr marL="2160544" indent="-196413" algn="l" defTabSz="785652" rtl="0" eaLnBrk="1" latinLnBrk="0" hangingPunct="1">
         <a:spcBef>
           <a:spcPct val="20000"/>
         </a:spcBef>
         <a:buFont typeface="Arial" panose="020B0604020202020204" pitchFamily="34" charset="0"/>
         <a:buChar char="•"/>
-        <a:defRPr sz="2000" kern="1200">
+        <a:defRPr sz="1700" kern="1200">
           <a:solidFill>
             <a:schemeClr val="tx1"/>
           </a:solidFill>
@@ -3375,13 +3375,13 @@
           <a:cs typeface="+mn-cs"/>
         </a:defRPr>
       </a:lvl6pPr>
-      <a:lvl7pPr marL="2971800" indent="-228600" algn="l" defTabSz="914400" rtl="0" eaLnBrk="1" latinLnBrk="0" hangingPunct="1">
+      <a:lvl7pPr marL="2553371" indent="-196413" algn="l" defTabSz="785652" rtl="0" eaLnBrk="1" latinLnBrk="0" hangingPunct="1">
         <a:spcBef>
           <a:spcPct val="20000"/>
         </a:spcBef>
         <a:buFont typeface="Arial" panose="020B0604020202020204" pitchFamily="34" charset="0"/>
         <a:buChar char="•"/>
-        <a:defRPr sz="2000" kern="1200">
+        <a:defRPr sz="1700" kern="1200">
           <a:solidFill>
             <a:schemeClr val="tx1"/>
           </a:solidFill>
@@ -3390,13 +3390,13 @@
           <a:cs typeface="+mn-cs"/>
         </a:defRPr>
       </a:lvl7pPr>
-      <a:lvl8pPr marL="3429000" indent="-228600" algn="l" defTabSz="914400" rtl="0" eaLnBrk="1" latinLnBrk="0" hangingPunct="1">
+      <a:lvl8pPr marL="2946197" indent="-196413" algn="l" defTabSz="785652" rtl="0" eaLnBrk="1" latinLnBrk="0" hangingPunct="1">
         <a:spcBef>
           <a:spcPct val="20000"/>
         </a:spcBef>
         <a:buFont typeface="Arial" panose="020B0604020202020204" pitchFamily="34" charset="0"/>
         <a:buChar char="•"/>
-        <a:defRPr sz="2000" kern="1200">
+        <a:defRPr sz="1700" kern="1200">
           <a:solidFill>
             <a:schemeClr val="tx1"/>
           </a:solidFill>
@@ -3405,13 +3405,13 @@
           <a:cs typeface="+mn-cs"/>
         </a:defRPr>
       </a:lvl8pPr>
-      <a:lvl9pPr marL="3886200" indent="-228600" algn="l" defTabSz="914400" rtl="0" eaLnBrk="1" latinLnBrk="0" hangingPunct="1">
+      <a:lvl9pPr marL="3339023" indent="-196413" algn="l" defTabSz="785652" rtl="0" eaLnBrk="1" latinLnBrk="0" hangingPunct="1">
         <a:spcBef>
           <a:spcPct val="20000"/>
         </a:spcBef>
         <a:buFont typeface="Arial" panose="020B0604020202020204" pitchFamily="34" charset="0"/>
         <a:buChar char="•"/>
-        <a:defRPr sz="2000" kern="1200">
+        <a:defRPr sz="1700" kern="1200">
           <a:solidFill>
             <a:schemeClr val="tx1"/>
           </a:solidFill>
@@ -3425,8 +3425,8 @@
       <a:defPPr>
         <a:defRPr lang="en-US"/>
       </a:defPPr>
-      <a:lvl1pPr marL="0" algn="l" defTabSz="914400" rtl="0" eaLnBrk="1" latinLnBrk="0" hangingPunct="1">
-        <a:defRPr sz="1800" kern="1200">
+      <a:lvl1pPr marL="0" algn="l" defTabSz="785652" rtl="0" eaLnBrk="1" latinLnBrk="0" hangingPunct="1">
+        <a:defRPr sz="1500" kern="1200">
           <a:solidFill>
             <a:schemeClr val="tx1"/>
           </a:solidFill>
@@ -3435,8 +3435,8 @@
           <a:cs typeface="+mn-cs"/>
         </a:defRPr>
       </a:lvl1pPr>
-      <a:lvl2pPr marL="457200" algn="l" defTabSz="914400" rtl="0" eaLnBrk="1" latinLnBrk="0" hangingPunct="1">
-        <a:defRPr sz="1800" kern="1200">
+      <a:lvl2pPr marL="392826" algn="l" defTabSz="785652" rtl="0" eaLnBrk="1" latinLnBrk="0" hangingPunct="1">
+        <a:defRPr sz="1500" kern="1200">
           <a:solidFill>
             <a:schemeClr val="tx1"/>
           </a:solidFill>
@@ -3445,8 +3445,8 @@
           <a:cs typeface="+mn-cs"/>
         </a:defRPr>
       </a:lvl2pPr>
-      <a:lvl3pPr marL="914400" algn="l" defTabSz="914400" rtl="0" eaLnBrk="1" latinLnBrk="0" hangingPunct="1">
-        <a:defRPr sz="1800" kern="1200">
+      <a:lvl3pPr marL="785652" algn="l" defTabSz="785652" rtl="0" eaLnBrk="1" latinLnBrk="0" hangingPunct="1">
+        <a:defRPr sz="1500" kern="1200">
           <a:solidFill>
             <a:schemeClr val="tx1"/>
           </a:solidFill>
@@ -3455,8 +3455,8 @@
           <a:cs typeface="+mn-cs"/>
         </a:defRPr>
       </a:lvl3pPr>
-      <a:lvl4pPr marL="1371600" algn="l" defTabSz="914400" rtl="0" eaLnBrk="1" latinLnBrk="0" hangingPunct="1">
-        <a:defRPr sz="1800" kern="1200">
+      <a:lvl4pPr marL="1178479" algn="l" defTabSz="785652" rtl="0" eaLnBrk="1" latinLnBrk="0" hangingPunct="1">
+        <a:defRPr sz="1500" kern="1200">
           <a:solidFill>
             <a:schemeClr val="tx1"/>
           </a:solidFill>
@@ -3465,8 +3465,8 @@
           <a:cs typeface="+mn-cs"/>
         </a:defRPr>
       </a:lvl4pPr>
-      <a:lvl5pPr marL="1828800" algn="l" defTabSz="914400" rtl="0" eaLnBrk="1" latinLnBrk="0" hangingPunct="1">
-        <a:defRPr sz="1800" kern="1200">
+      <a:lvl5pPr marL="1571305" algn="l" defTabSz="785652" rtl="0" eaLnBrk="1" latinLnBrk="0" hangingPunct="1">
+        <a:defRPr sz="1500" kern="1200">
           <a:solidFill>
             <a:schemeClr val="tx1"/>
           </a:solidFill>
@@ -3475,8 +3475,8 @@
           <a:cs typeface="+mn-cs"/>
         </a:defRPr>
       </a:lvl5pPr>
-      <a:lvl6pPr marL="2286000" algn="l" defTabSz="914400" rtl="0" eaLnBrk="1" latinLnBrk="0" hangingPunct="1">
-        <a:defRPr sz="1800" kern="1200">
+      <a:lvl6pPr marL="1964131" algn="l" defTabSz="785652" rtl="0" eaLnBrk="1" latinLnBrk="0" hangingPunct="1">
+        <a:defRPr sz="1500" kern="1200">
           <a:solidFill>
             <a:schemeClr val="tx1"/>
           </a:solidFill>
@@ -3485,8 +3485,8 @@
           <a:cs typeface="+mn-cs"/>
         </a:defRPr>
       </a:lvl6pPr>
-      <a:lvl7pPr marL="2743200" algn="l" defTabSz="914400" rtl="0" eaLnBrk="1" latinLnBrk="0" hangingPunct="1">
-        <a:defRPr sz="1800" kern="1200">
+      <a:lvl7pPr marL="2356957" algn="l" defTabSz="785652" rtl="0" eaLnBrk="1" latinLnBrk="0" hangingPunct="1">
+        <a:defRPr sz="1500" kern="1200">
           <a:solidFill>
             <a:schemeClr val="tx1"/>
           </a:solidFill>
@@ -3495,8 +3495,8 @@
           <a:cs typeface="+mn-cs"/>
         </a:defRPr>
       </a:lvl7pPr>
-      <a:lvl8pPr marL="3200400" algn="l" defTabSz="914400" rtl="0" eaLnBrk="1" latinLnBrk="0" hangingPunct="1">
-        <a:defRPr sz="1800" kern="1200">
+      <a:lvl8pPr marL="2749784" algn="l" defTabSz="785652" rtl="0" eaLnBrk="1" latinLnBrk="0" hangingPunct="1">
+        <a:defRPr sz="1500" kern="1200">
           <a:solidFill>
             <a:schemeClr val="tx1"/>
           </a:solidFill>
@@ -3505,8 +3505,8 @@
           <a:cs typeface="+mn-cs"/>
         </a:defRPr>
       </a:lvl8pPr>
-      <a:lvl9pPr marL="3657600" algn="l" defTabSz="914400" rtl="0" eaLnBrk="1" latinLnBrk="0" hangingPunct="1">
-        <a:defRPr sz="1800" kern="1200">
+      <a:lvl9pPr marL="3142610" algn="l" defTabSz="785652" rtl="0" eaLnBrk="1" latinLnBrk="0" hangingPunct="1">
+        <a:defRPr sz="1500" kern="1200">
           <a:solidFill>
             <a:schemeClr val="tx1"/>
           </a:solidFill>
@@ -3537,69 +3537,15 @@
           <a:chExt cx="0" cy="0"/>
         </a:xfrm>
       </p:grpSpPr>
-      <p:pic>
-        <p:nvPicPr>
-          <p:cNvPr id="288" name="Picture 12"/>
-          <p:cNvPicPr>
-            <a:picLocks noChangeAspect="1" noChangeArrowheads="1"/>
-          </p:cNvPicPr>
-          <p:nvPr/>
-        </p:nvPicPr>
-        <p:blipFill>
-          <a:blip r:embed="rId3" cstate="print">
-            <a:extLst>
-              <a:ext uri="{28A0092B-C50C-407E-A947-70E740481C1C}">
-                <a14:useLocalDpi xmlns:a14="http://schemas.microsoft.com/office/drawing/2010/main" val="0"/>
-              </a:ext>
-            </a:extLst>
-          </a:blip>
-          <a:srcRect/>
-          <a:stretch>
-            <a:fillRect/>
-          </a:stretch>
-        </p:blipFill>
-        <p:spPr bwMode="auto">
-          <a:xfrm>
-            <a:off x="2763713" y="6133070"/>
-            <a:ext cx="3375174" cy="1658380"/>
-          </a:xfrm>
-          <a:prstGeom prst="rect">
-            <a:avLst/>
-          </a:prstGeom>
-          <a:noFill/>
-          <a:ln>
-            <a:noFill/>
-          </a:ln>
-          <a:extLst>
-            <a:ext uri="{909E8E84-426E-40DD-AFC4-6F175D3DCCD1}">
-              <a14:hiddenFill xmlns:a14="http://schemas.microsoft.com/office/drawing/2010/main">
-                <a:solidFill>
-                  <a:schemeClr val="accent1"/>
-                </a:solidFill>
-              </a14:hiddenFill>
-            </a:ext>
-            <a:ext uri="{91240B29-F687-4F45-9708-019B960494DF}">
-              <a14:hiddenLine xmlns:a14="http://schemas.microsoft.com/office/drawing/2010/main" w="9525">
-                <a:solidFill>
-                  <a:schemeClr val="tx1"/>
-                </a:solidFill>
-                <a:miter lim="800000"/>
-                <a:headEnd/>
-                <a:tailEnd/>
-              </a14:hiddenLine>
-            </a:ext>
-          </a:extLst>
-        </p:spPr>
-      </p:pic>
-      <p:sp>
-        <p:nvSpPr>
-          <p:cNvPr id="289" name="ZoneTexte 288"/>
+      <p:sp>
+        <p:nvSpPr>
+          <p:cNvPr id="45" name="ZoneTexte 44"/>
           <p:cNvSpPr txBox="1"/>
           <p:nvPr/>
         </p:nvSpPr>
         <p:spPr>
           <a:xfrm>
-            <a:off x="219298" y="4881342"/>
+            <a:off x="146967" y="4881342"/>
             <a:ext cx="388209" cy="325012"/>
           </a:xfrm>
           <a:prstGeom prst="rect">
@@ -3629,14 +3575,14 @@
       </p:sp>
       <p:pic>
         <p:nvPicPr>
-          <p:cNvPr id="290" name="Picture 2"/>
+          <p:cNvPr id="46" name="Picture 2"/>
           <p:cNvPicPr>
             <a:picLocks noChangeAspect="1" noChangeArrowheads="1"/>
           </p:cNvPicPr>
           <p:nvPr/>
         </p:nvPicPr>
         <p:blipFill rotWithShape="1">
-          <a:blip r:embed="rId4" cstate="print">
+          <a:blip r:embed="rId3" cstate="print">
             <a:extLst>
               <a:ext uri="{28A0092B-C50C-407E-A947-70E740481C1C}">
                 <a14:useLocalDpi xmlns:a14="http://schemas.microsoft.com/office/drawing/2010/main" val="0"/>
@@ -3648,7 +3594,7 @@
         </p:blipFill>
         <p:spPr bwMode="auto">
           <a:xfrm>
-            <a:off x="185268" y="66675"/>
+            <a:off x="112937" y="66675"/>
             <a:ext cx="5927166" cy="2165102"/>
           </a:xfrm>
           <a:prstGeom prst="rect">
@@ -3681,13 +3627,13 @@
       </p:pic>
       <p:sp>
         <p:nvSpPr>
-          <p:cNvPr id="291" name="ZoneTexte 290"/>
+          <p:cNvPr id="47" name="ZoneTexte 46"/>
           <p:cNvSpPr txBox="1"/>
           <p:nvPr/>
         </p:nvSpPr>
         <p:spPr>
           <a:xfrm>
-            <a:off x="-9962" y="-1484"/>
+            <a:off x="-82293" y="-1484"/>
             <a:ext cx="388209" cy="325012"/>
           </a:xfrm>
           <a:prstGeom prst="rect">
@@ -3717,14 +3663,14 @@
       </p:sp>
       <p:pic>
         <p:nvPicPr>
-          <p:cNvPr id="292" name="Picture 9"/>
+          <p:cNvPr id="48" name="Picture 9"/>
           <p:cNvPicPr>
             <a:picLocks noChangeAspect="1" noChangeArrowheads="1"/>
           </p:cNvPicPr>
           <p:nvPr/>
         </p:nvPicPr>
         <p:blipFill rotWithShape="1">
-          <a:blip r:embed="rId5" cstate="print">
+          <a:blip r:embed="rId4" cstate="print">
             <a:extLst>
               <a:ext uri="{28A0092B-C50C-407E-A947-70E740481C1C}">
                 <a14:useLocalDpi xmlns:a14="http://schemas.microsoft.com/office/drawing/2010/main" val="0"/>
@@ -3736,7 +3682,7 @@
         </p:blipFill>
         <p:spPr bwMode="auto">
           <a:xfrm>
-            <a:off x="155932" y="1874765"/>
+            <a:off x="83601" y="1874765"/>
             <a:ext cx="5982955" cy="4353419"/>
           </a:xfrm>
           <a:prstGeom prst="rect">
@@ -3769,13 +3715,13 @@
       </p:pic>
       <p:sp>
         <p:nvSpPr>
-          <p:cNvPr id="350" name="ZoneTexte 349"/>
+          <p:cNvPr id="49" name="ZoneTexte 48"/>
           <p:cNvSpPr txBox="1"/>
           <p:nvPr/>
         </p:nvSpPr>
         <p:spPr>
           <a:xfrm>
-            <a:off x="18207" y="1835696"/>
+            <a:off x="-54124" y="1835696"/>
             <a:ext cx="399494" cy="325012"/>
           </a:xfrm>
           <a:prstGeom prst="rect">
@@ -3805,13 +3751,13 @@
       </p:sp>
       <p:sp>
         <p:nvSpPr>
-          <p:cNvPr id="354" name="ZoneTexte 353"/>
+          <p:cNvPr id="50" name="ZoneTexte 49"/>
           <p:cNvSpPr txBox="1"/>
           <p:nvPr/>
         </p:nvSpPr>
         <p:spPr>
           <a:xfrm>
-            <a:off x="4185786" y="2023730"/>
+            <a:off x="4113455" y="2023730"/>
             <a:ext cx="749333" cy="297928"/>
           </a:xfrm>
           <a:prstGeom prst="rect">
@@ -3839,292 +3785,6 @@
           </a:p>
         </p:txBody>
       </p:sp>
-      <p:sp>
-        <p:nvSpPr>
-          <p:cNvPr id="355" name="ZoneTexte 354"/>
-          <p:cNvSpPr txBox="1"/>
-          <p:nvPr/>
-        </p:nvSpPr>
-        <p:spPr>
-          <a:xfrm>
-            <a:off x="3298899" y="6228184"/>
-            <a:ext cx="404278" cy="307777"/>
-          </a:xfrm>
-          <a:prstGeom prst="rect">
-            <a:avLst/>
-          </a:prstGeom>
-          <a:noFill/>
-        </p:spPr>
-        <p:txBody>
-          <a:bodyPr wrap="none" rtlCol="0">
-            <a:spAutoFit/>
-          </a:bodyPr>
-          <a:lstStyle/>
-          <a:p>
-            <a:r>
-              <a:rPr lang="fr-FR" sz="1400" b="1" dirty="0">
-                <a:solidFill>
-                  <a:schemeClr val="bg1"/>
-                </a:solidFill>
-                <a:latin typeface="Times New Roman" panose="02020603050405020304" pitchFamily="18" charset="0"/>
-                <a:cs typeface="Times New Roman" panose="02020603050405020304" pitchFamily="18" charset="0"/>
-              </a:rPr>
-              <a:t>T</a:t>
-            </a:r>
-            <a:r>
-              <a:rPr lang="fr-FR" sz="1400" b="1" dirty="0" smtClean="0">
-                <a:solidFill>
-                  <a:schemeClr val="bg1"/>
-                </a:solidFill>
-                <a:latin typeface="Times New Roman" panose="02020603050405020304" pitchFamily="18" charset="0"/>
-                <a:cs typeface="Times New Roman" panose="02020603050405020304" pitchFamily="18" charset="0"/>
-              </a:rPr>
-              <a:t>h</a:t>
-            </a:r>
-            <a:endParaRPr lang="en-US" sz="1400" b="1" dirty="0">
-              <a:solidFill>
-                <a:schemeClr val="bg1"/>
-              </a:solidFill>
-              <a:latin typeface="Times New Roman" panose="02020603050405020304" pitchFamily="18" charset="0"/>
-              <a:cs typeface="Times New Roman" panose="02020603050405020304" pitchFamily="18" charset="0"/>
-            </a:endParaRPr>
-          </a:p>
-        </p:txBody>
-      </p:sp>
-      <p:pic>
-        <p:nvPicPr>
-          <p:cNvPr id="357" name="Picture 4"/>
-          <p:cNvPicPr>
-            <a:picLocks noChangeAspect="1" noChangeArrowheads="1"/>
-          </p:cNvPicPr>
-          <p:nvPr/>
-        </p:nvPicPr>
-        <p:blipFill rotWithShape="1">
-          <a:blip r:embed="rId6" cstate="print">
-            <a:extLst>
-              <a:ext uri="{28A0092B-C50C-407E-A947-70E740481C1C}">
-                <a14:useLocalDpi xmlns:a14="http://schemas.microsoft.com/office/drawing/2010/main" val="0"/>
-              </a:ext>
-            </a:extLst>
-          </a:blip>
-          <a:srcRect t="6905" r="7363"/>
-          <a:stretch/>
-        </p:blipFill>
-        <p:spPr bwMode="auto">
-          <a:xfrm>
-            <a:off x="11767" y="7490434"/>
-            <a:ext cx="3236076" cy="1618070"/>
-          </a:xfrm>
-          <a:prstGeom prst="rect">
-            <a:avLst/>
-          </a:prstGeom>
-          <a:noFill/>
-          <a:ln>
-            <a:noFill/>
-          </a:ln>
-          <a:extLst>
-            <a:ext uri="{909E8E84-426E-40DD-AFC4-6F175D3DCCD1}">
-              <a14:hiddenFill xmlns:a14="http://schemas.microsoft.com/office/drawing/2010/main">
-                <a:solidFill>
-                  <a:schemeClr val="accent1"/>
-                </a:solidFill>
-              </a14:hiddenFill>
-            </a:ext>
-            <a:ext uri="{91240B29-F687-4F45-9708-019B960494DF}">
-              <a14:hiddenLine xmlns:a14="http://schemas.microsoft.com/office/drawing/2010/main" w="9525">
-                <a:solidFill>
-                  <a:schemeClr val="tx1"/>
-                </a:solidFill>
-                <a:miter lim="800000"/>
-                <a:headEnd/>
-                <a:tailEnd/>
-              </a14:hiddenLine>
-            </a:ext>
-          </a:extLst>
-        </p:spPr>
-      </p:pic>
-      <p:pic>
-        <p:nvPicPr>
-          <p:cNvPr id="358" name="Picture 5"/>
-          <p:cNvPicPr>
-            <a:picLocks noChangeAspect="1" noChangeArrowheads="1"/>
-          </p:cNvPicPr>
-          <p:nvPr/>
-        </p:nvPicPr>
-        <p:blipFill rotWithShape="1">
-          <a:blip r:embed="rId7" cstate="print">
-            <a:extLst>
-              <a:ext uri="{28A0092B-C50C-407E-A947-70E740481C1C}">
-                <a14:useLocalDpi xmlns:a14="http://schemas.microsoft.com/office/drawing/2010/main" val="0"/>
-              </a:ext>
-            </a:extLst>
-          </a:blip>
-          <a:srcRect t="7489" r="8247" b="20542"/>
-          <a:stretch/>
-        </p:blipFill>
-        <p:spPr bwMode="auto">
-          <a:xfrm>
-            <a:off x="2980" y="6243216"/>
-            <a:ext cx="3225872" cy="1257739"/>
-          </a:xfrm>
-          <a:prstGeom prst="rect">
-            <a:avLst/>
-          </a:prstGeom>
-          <a:noFill/>
-          <a:ln>
-            <a:noFill/>
-          </a:ln>
-          <a:extLst>
-            <a:ext uri="{909E8E84-426E-40DD-AFC4-6F175D3DCCD1}">
-              <a14:hiddenFill xmlns:a14="http://schemas.microsoft.com/office/drawing/2010/main">
-                <a:solidFill>
-                  <a:schemeClr val="accent1"/>
-                </a:solidFill>
-              </a14:hiddenFill>
-            </a:ext>
-            <a:ext uri="{91240B29-F687-4F45-9708-019B960494DF}">
-              <a14:hiddenLine xmlns:a14="http://schemas.microsoft.com/office/drawing/2010/main" w="9525">
-                <a:solidFill>
-                  <a:schemeClr val="tx1"/>
-                </a:solidFill>
-                <a:miter lim="800000"/>
-                <a:headEnd/>
-                <a:tailEnd/>
-              </a14:hiddenLine>
-            </a:ext>
-          </a:extLst>
-        </p:spPr>
-      </p:pic>
-      <p:sp>
-        <p:nvSpPr>
-          <p:cNvPr id="359" name="ZoneTexte 358"/>
-          <p:cNvSpPr txBox="1"/>
-          <p:nvPr/>
-        </p:nvSpPr>
-        <p:spPr>
-          <a:xfrm>
-            <a:off x="-53801" y="5940152"/>
-            <a:ext cx="388209" cy="325012"/>
-          </a:xfrm>
-          <a:prstGeom prst="rect">
-            <a:avLst/>
-          </a:prstGeom>
-          <a:noFill/>
-        </p:spPr>
-        <p:txBody>
-          <a:bodyPr wrap="none" rtlCol="0">
-            <a:spAutoFit/>
-          </a:bodyPr>
-          <a:lstStyle/>
-          <a:p>
-            <a:r>
-              <a:rPr lang="fr-FR" dirty="0" smtClean="0">
-                <a:latin typeface="Times New Roman" panose="02020603050405020304" pitchFamily="18" charset="0"/>
-                <a:cs typeface="Times New Roman" panose="02020603050405020304" pitchFamily="18" charset="0"/>
-              </a:rPr>
-              <a:t>(c)</a:t>
-            </a:r>
-            <a:endParaRPr lang="en-US" dirty="0">
-              <a:latin typeface="Times New Roman" panose="02020603050405020304" pitchFamily="18" charset="0"/>
-              <a:cs typeface="Times New Roman" panose="02020603050405020304" pitchFamily="18" charset="0"/>
-            </a:endParaRPr>
-          </a:p>
-        </p:txBody>
-      </p:sp>
-      <p:sp>
-        <p:nvSpPr>
-          <p:cNvPr id="360" name="ZoneTexte 359"/>
-          <p:cNvSpPr txBox="1"/>
-          <p:nvPr/>
-        </p:nvSpPr>
-        <p:spPr>
-          <a:xfrm>
-            <a:off x="614950" y="6228184"/>
-            <a:ext cx="494046" cy="307777"/>
-          </a:xfrm>
-          <a:prstGeom prst="rect">
-            <a:avLst/>
-          </a:prstGeom>
-          <a:noFill/>
-        </p:spPr>
-        <p:txBody>
-          <a:bodyPr wrap="none" rtlCol="0">
-            <a:spAutoFit/>
-          </a:bodyPr>
-          <a:lstStyle/>
-          <a:p>
-            <a:r>
-              <a:rPr lang="fr-FR" sz="1400" b="1" dirty="0" err="1" smtClean="0">
-                <a:solidFill>
-                  <a:schemeClr val="bg1"/>
-                </a:solidFill>
-                <a:latin typeface="Times New Roman" panose="02020603050405020304" pitchFamily="18" charset="0"/>
-                <a:cs typeface="Times New Roman" panose="02020603050405020304" pitchFamily="18" charset="0"/>
-              </a:rPr>
-              <a:t>Exp</a:t>
-            </a:r>
-            <a:endParaRPr lang="en-US" sz="1400" b="1" dirty="0">
-              <a:solidFill>
-                <a:schemeClr val="bg1"/>
-              </a:solidFill>
-              <a:latin typeface="Times New Roman" panose="02020603050405020304" pitchFamily="18" charset="0"/>
-              <a:cs typeface="Times New Roman" panose="02020603050405020304" pitchFamily="18" charset="0"/>
-            </a:endParaRPr>
-          </a:p>
-        </p:txBody>
-      </p:sp>
-      <p:pic>
-        <p:nvPicPr>
-          <p:cNvPr id="361" name="Picture 6"/>
-          <p:cNvPicPr>
-            <a:picLocks noChangeAspect="1" noChangeArrowheads="1"/>
-          </p:cNvPicPr>
-          <p:nvPr/>
-        </p:nvPicPr>
-        <p:blipFill rotWithShape="1">
-          <a:blip r:embed="rId8" cstate="print">
-            <a:extLst>
-              <a:ext uri="{28A0092B-C50C-407E-A947-70E740481C1C}">
-                <a14:useLocalDpi xmlns:a14="http://schemas.microsoft.com/office/drawing/2010/main" val="0"/>
-              </a:ext>
-            </a:extLst>
-          </a:blip>
-          <a:srcRect l="11001" t="4473" r="7813"/>
-          <a:stretch/>
-        </p:blipFill>
-        <p:spPr bwMode="auto">
-          <a:xfrm>
-            <a:off x="3220293" y="7500956"/>
-            <a:ext cx="2680320" cy="1620250"/>
-          </a:xfrm>
-          <a:prstGeom prst="rect">
-            <a:avLst/>
-          </a:prstGeom>
-          <a:noFill/>
-          <a:ln>
-            <a:noFill/>
-          </a:ln>
-          <a:extLst>
-            <a:ext uri="{909E8E84-426E-40DD-AFC4-6F175D3DCCD1}">
-              <a14:hiddenFill xmlns:a14="http://schemas.microsoft.com/office/drawing/2010/main">
-                <a:solidFill>
-                  <a:schemeClr val="accent1"/>
-                </a:solidFill>
-              </a14:hiddenFill>
-            </a:ext>
-            <a:ext uri="{91240B29-F687-4F45-9708-019B960494DF}">
-              <a14:hiddenLine xmlns:a14="http://schemas.microsoft.com/office/drawing/2010/main" w="9525">
-                <a:solidFill>
-                  <a:schemeClr val="tx1"/>
-                </a:solidFill>
-                <a:miter lim="800000"/>
-                <a:headEnd/>
-                <a:tailEnd/>
-              </a14:hiddenLine>
-            </a:ext>
-          </a:extLst>
-        </p:spPr>
-      </p:pic>
     </p:spTree>
     <p:extLst>
       <p:ext uri="{BB962C8B-B14F-4D97-AF65-F5344CB8AC3E}">

--- a/03-h-Mn/Pictures/DotPres.pptx
+++ b/03-h-Mn/Pictures/DotPres.pptx
@@ -10,7 +10,7 @@
   <p:sldIdLst>
     <p:sldId id="293" r:id="rId2"/>
   </p:sldIdLst>
-  <p:sldSz cx="5868988" cy="6229350"/>
+  <p:sldSz cx="5868988" cy="6372225"/>
   <p:notesSz cx="6797675" cy="9926638"/>
   <p:defaultTextStyle>
     <a:defPPr>
@@ -192,7 +192,7 @@
           <a:p>
             <a:fld id="{A732596A-CC33-44AB-A517-CD91BCF05E15}" type="datetimeFigureOut">
               <a:rPr lang="en-US" smtClean="0"/>
-              <a:t>7/11/2017</a:t>
+              <a:t>7/12/2017</a:t>
             </a:fld>
             <a:endParaRPr lang="en-US"/>
           </a:p>
@@ -210,8 +210,8 @@
         </p:nvSpPr>
         <p:spPr>
           <a:xfrm>
-            <a:off x="1646238" y="744538"/>
-            <a:ext cx="3505200" cy="3721100"/>
+            <a:off x="1685925" y="744538"/>
+            <a:ext cx="3425825" cy="3721100"/>
           </a:xfrm>
           <a:prstGeom prst="rect">
             <a:avLst/>
@@ -489,8 +489,8 @@
         </p:nvSpPr>
         <p:spPr>
           <a:xfrm>
-            <a:off x="1646238" y="744538"/>
-            <a:ext cx="3505200" cy="3721100"/>
+            <a:off x="1685925" y="744538"/>
+            <a:ext cx="3425825" cy="3721100"/>
           </a:xfrm>
         </p:spPr>
       </p:sp>
@@ -578,8 +578,8 @@
         </p:nvSpPr>
         <p:spPr>
           <a:xfrm>
-            <a:off x="440178" y="1935139"/>
-            <a:ext cx="4988639" cy="1335273"/>
+            <a:off x="440180" y="1979523"/>
+            <a:ext cx="4988639" cy="1365899"/>
           </a:xfrm>
         </p:spPr>
         <p:txBody>
@@ -606,8 +606,8 @@
         </p:nvSpPr>
         <p:spPr>
           <a:xfrm>
-            <a:off x="880350" y="3529967"/>
-            <a:ext cx="4108292" cy="1591945"/>
+            <a:off x="880350" y="3610931"/>
+            <a:ext cx="4108292" cy="1628458"/>
           </a:xfrm>
         </p:spPr>
         <p:txBody>
@@ -730,7 +730,7 @@
           <a:p>
             <a:fld id="{252CF840-51FB-49D9-ADDC-0C52DA34DC77}" type="datetimeFigureOut">
               <a:rPr lang="en-US" smtClean="0"/>
-              <a:t>7/11/2017</a:t>
+              <a:t>7/12/2017</a:t>
             </a:fld>
             <a:endParaRPr lang="en-US"/>
           </a:p>
@@ -900,7 +900,7 @@
           <a:p>
             <a:fld id="{252CF840-51FB-49D9-ADDC-0C52DA34DC77}" type="datetimeFigureOut">
               <a:rPr lang="en-US" smtClean="0"/>
-              <a:t>7/11/2017</a:t>
+              <a:t>7/12/2017</a:t>
             </a:fld>
             <a:endParaRPr lang="en-US"/>
           </a:p>
@@ -990,8 +990,8 @@
         </p:nvSpPr>
         <p:spPr>
           <a:xfrm>
-            <a:off x="4255018" y="249468"/>
-            <a:ext cx="1320522" cy="5315134"/>
+            <a:off x="4255018" y="255190"/>
+            <a:ext cx="1320522" cy="5437041"/>
           </a:xfrm>
         </p:spPr>
         <p:txBody>
@@ -1018,8 +1018,8 @@
         </p:nvSpPr>
         <p:spPr>
           <a:xfrm>
-            <a:off x="293453" y="249468"/>
-            <a:ext cx="3863751" cy="5315134"/>
+            <a:off x="293455" y="255190"/>
+            <a:ext cx="3863751" cy="5437041"/>
           </a:xfrm>
         </p:spPr>
         <p:txBody>
@@ -1080,7 +1080,7 @@
           <a:p>
             <a:fld id="{252CF840-51FB-49D9-ADDC-0C52DA34DC77}" type="datetimeFigureOut">
               <a:rPr lang="en-US" smtClean="0"/>
-              <a:t>7/11/2017</a:t>
+              <a:t>7/12/2017</a:t>
             </a:fld>
             <a:endParaRPr lang="en-US"/>
           </a:p>
@@ -1250,7 +1250,7 @@
           <a:p>
             <a:fld id="{252CF840-51FB-49D9-ADDC-0C52DA34DC77}" type="datetimeFigureOut">
               <a:rPr lang="en-US" smtClean="0"/>
-              <a:t>7/11/2017</a:t>
+              <a:t>7/12/2017</a:t>
             </a:fld>
             <a:endParaRPr lang="en-US"/>
           </a:p>
@@ -1340,8 +1340,8 @@
         </p:nvSpPr>
         <p:spPr>
           <a:xfrm>
-            <a:off x="463612" y="4002936"/>
-            <a:ext cx="4988639" cy="1237218"/>
+            <a:off x="463612" y="4094747"/>
+            <a:ext cx="4988639" cy="1265595"/>
           </a:xfrm>
         </p:spPr>
         <p:txBody>
@@ -1372,8 +1372,8 @@
         </p:nvSpPr>
         <p:spPr>
           <a:xfrm>
-            <a:off x="463612" y="2640268"/>
-            <a:ext cx="4988639" cy="1362670"/>
+            <a:off x="463612" y="2700824"/>
+            <a:ext cx="4988639" cy="1393924"/>
           </a:xfrm>
         </p:spPr>
         <p:txBody>
@@ -1496,7 +1496,7 @@
           <a:p>
             <a:fld id="{252CF840-51FB-49D9-ADDC-0C52DA34DC77}" type="datetimeFigureOut">
               <a:rPr lang="en-US" smtClean="0"/>
-              <a:t>7/11/2017</a:t>
+              <a:t>7/12/2017</a:t>
             </a:fld>
             <a:endParaRPr lang="en-US"/>
           </a:p>
@@ -1609,8 +1609,8 @@
         </p:nvSpPr>
         <p:spPr>
           <a:xfrm>
-            <a:off x="293453" y="1453521"/>
-            <a:ext cx="2592137" cy="4111083"/>
+            <a:off x="293455" y="1486860"/>
+            <a:ext cx="2592137" cy="4205374"/>
           </a:xfrm>
         </p:spPr>
         <p:txBody>
@@ -1694,8 +1694,8 @@
         </p:nvSpPr>
         <p:spPr>
           <a:xfrm>
-            <a:off x="2983405" y="1453521"/>
-            <a:ext cx="2592137" cy="4111083"/>
+            <a:off x="2983407" y="1486860"/>
+            <a:ext cx="2592137" cy="4205374"/>
           </a:xfrm>
         </p:spPr>
         <p:txBody>
@@ -1784,7 +1784,7 @@
           <a:p>
             <a:fld id="{252CF840-51FB-49D9-ADDC-0C52DA34DC77}" type="datetimeFigureOut">
               <a:rPr lang="en-US" smtClean="0"/>
-              <a:t>7/11/2017</a:t>
+              <a:t>7/12/2017</a:t>
             </a:fld>
             <a:endParaRPr lang="en-US"/>
           </a:p>
@@ -1901,8 +1901,8 @@
         </p:nvSpPr>
         <p:spPr>
           <a:xfrm>
-            <a:off x="293450" y="1394395"/>
-            <a:ext cx="2593157" cy="581118"/>
+            <a:off x="293450" y="1426376"/>
+            <a:ext cx="2593157" cy="594447"/>
           </a:xfrm>
         </p:spPr>
         <p:txBody>
@@ -1966,8 +1966,8 @@
         </p:nvSpPr>
         <p:spPr>
           <a:xfrm>
-            <a:off x="293450" y="1975512"/>
-            <a:ext cx="2593157" cy="3589086"/>
+            <a:off x="293450" y="2020822"/>
+            <a:ext cx="2593157" cy="3671405"/>
           </a:xfrm>
         </p:spPr>
         <p:txBody>
@@ -2051,8 +2051,8 @@
         </p:nvSpPr>
         <p:spPr>
           <a:xfrm>
-            <a:off x="2981368" y="1394395"/>
-            <a:ext cx="2594174" cy="581118"/>
+            <a:off x="2981368" y="1426376"/>
+            <a:ext cx="2594174" cy="594447"/>
           </a:xfrm>
         </p:spPr>
         <p:txBody>
@@ -2116,8 +2116,8 @@
         </p:nvSpPr>
         <p:spPr>
           <a:xfrm>
-            <a:off x="2981368" y="1975512"/>
-            <a:ext cx="2594174" cy="3589086"/>
+            <a:off x="2981368" y="2020822"/>
+            <a:ext cx="2594174" cy="3671405"/>
           </a:xfrm>
         </p:spPr>
         <p:txBody>
@@ -2206,7 +2206,7 @@
           <a:p>
             <a:fld id="{252CF840-51FB-49D9-ADDC-0C52DA34DC77}" type="datetimeFigureOut">
               <a:rPr lang="en-US" smtClean="0"/>
-              <a:t>7/11/2017</a:t>
+              <a:t>7/12/2017</a:t>
             </a:fld>
             <a:endParaRPr lang="en-US"/>
           </a:p>
@@ -2324,7 +2324,7 @@
           <a:p>
             <a:fld id="{252CF840-51FB-49D9-ADDC-0C52DA34DC77}" type="datetimeFigureOut">
               <a:rPr lang="en-US" smtClean="0"/>
-              <a:t>7/11/2017</a:t>
+              <a:t>7/12/2017</a:t>
             </a:fld>
             <a:endParaRPr lang="en-US"/>
           </a:p>
@@ -2419,7 +2419,7 @@
           <a:p>
             <a:fld id="{252CF840-51FB-49D9-ADDC-0C52DA34DC77}" type="datetimeFigureOut">
               <a:rPr lang="en-US" smtClean="0"/>
-              <a:t>7/11/2017</a:t>
+              <a:t>7/12/2017</a:t>
             </a:fld>
             <a:endParaRPr lang="en-US"/>
           </a:p>
@@ -2509,8 +2509,8 @@
         </p:nvSpPr>
         <p:spPr>
           <a:xfrm>
-            <a:off x="293454" y="248023"/>
-            <a:ext cx="1930857" cy="1055529"/>
+            <a:off x="293456" y="253712"/>
+            <a:ext cx="1930857" cy="1079738"/>
           </a:xfrm>
         </p:spPr>
         <p:txBody>
@@ -2541,8 +2541,8 @@
         </p:nvSpPr>
         <p:spPr>
           <a:xfrm>
-            <a:off x="2294612" y="248023"/>
-            <a:ext cx="3280928" cy="5316579"/>
+            <a:off x="2294612" y="253712"/>
+            <a:ext cx="3280928" cy="5438519"/>
           </a:xfrm>
         </p:spPr>
         <p:txBody>
@@ -2626,8 +2626,8 @@
         </p:nvSpPr>
         <p:spPr>
           <a:xfrm>
-            <a:off x="293454" y="1303553"/>
-            <a:ext cx="1930857" cy="4261048"/>
+            <a:off x="293456" y="1333452"/>
+            <a:ext cx="1930857" cy="4358778"/>
           </a:xfrm>
         </p:spPr>
         <p:txBody>
@@ -2696,7 +2696,7 @@
           <a:p>
             <a:fld id="{252CF840-51FB-49D9-ADDC-0C52DA34DC77}" type="datetimeFigureOut">
               <a:rPr lang="en-US" smtClean="0"/>
-              <a:t>7/11/2017</a:t>
+              <a:t>7/12/2017</a:t>
             </a:fld>
             <a:endParaRPr lang="en-US"/>
           </a:p>
@@ -2786,8 +2786,8 @@
         </p:nvSpPr>
         <p:spPr>
           <a:xfrm>
-            <a:off x="1150367" y="4360550"/>
-            <a:ext cx="3521393" cy="514786"/>
+            <a:off x="1150369" y="4460563"/>
+            <a:ext cx="3521393" cy="526593"/>
           </a:xfrm>
         </p:spPr>
         <p:txBody>
@@ -2818,8 +2818,8 @@
         </p:nvSpPr>
         <p:spPr>
           <a:xfrm>
-            <a:off x="1150367" y="556605"/>
-            <a:ext cx="3521393" cy="3737610"/>
+            <a:off x="1150369" y="569372"/>
+            <a:ext cx="3521393" cy="3823335"/>
           </a:xfrm>
         </p:spPr>
         <p:txBody>
@@ -2879,8 +2879,8 @@
         </p:nvSpPr>
         <p:spPr>
           <a:xfrm>
-            <a:off x="1150367" y="4875337"/>
-            <a:ext cx="3521393" cy="731083"/>
+            <a:off x="1150369" y="4987157"/>
+            <a:ext cx="3521393" cy="747851"/>
           </a:xfrm>
         </p:spPr>
         <p:txBody>
@@ -2949,7 +2949,7 @@
           <a:p>
             <a:fld id="{252CF840-51FB-49D9-ADDC-0C52DA34DC77}" type="datetimeFigureOut">
               <a:rPr lang="en-US" smtClean="0"/>
-              <a:t>7/11/2017</a:t>
+              <a:t>7/12/2017</a:t>
             </a:fld>
             <a:endParaRPr lang="en-US"/>
           </a:p>
@@ -3044,8 +3044,8 @@
         </p:nvSpPr>
         <p:spPr>
           <a:xfrm>
-            <a:off x="293453" y="249464"/>
-            <a:ext cx="5282089" cy="1038226"/>
+            <a:off x="293455" y="255186"/>
+            <a:ext cx="5282089" cy="1062038"/>
           </a:xfrm>
           <a:prstGeom prst="rect">
             <a:avLst/>
@@ -3077,8 +3077,8 @@
         </p:nvSpPr>
         <p:spPr>
           <a:xfrm>
-            <a:off x="293453" y="1453521"/>
-            <a:ext cx="5282089" cy="4111083"/>
+            <a:off x="293455" y="1486860"/>
+            <a:ext cx="5282089" cy="4205374"/>
           </a:xfrm>
           <a:prstGeom prst="rect">
             <a:avLst/>
@@ -3139,8 +3139,8 @@
         </p:nvSpPr>
         <p:spPr>
           <a:xfrm>
-            <a:off x="293454" y="5773689"/>
-            <a:ext cx="1369431" cy="331656"/>
+            <a:off x="293454" y="5906113"/>
+            <a:ext cx="1369431" cy="339263"/>
           </a:xfrm>
           <a:prstGeom prst="rect">
             <a:avLst/>
@@ -3162,7 +3162,7 @@
           <a:p>
             <a:fld id="{252CF840-51FB-49D9-ADDC-0C52DA34DC77}" type="datetimeFigureOut">
               <a:rPr lang="en-US" smtClean="0"/>
-              <a:t>7/11/2017</a:t>
+              <a:t>7/12/2017</a:t>
             </a:fld>
             <a:endParaRPr lang="en-US"/>
           </a:p>
@@ -3180,8 +3180,8 @@
         </p:nvSpPr>
         <p:spPr>
           <a:xfrm>
-            <a:off x="2005239" y="5773689"/>
-            <a:ext cx="1858512" cy="331656"/>
+            <a:off x="2005239" y="5906113"/>
+            <a:ext cx="1858512" cy="339263"/>
           </a:xfrm>
           <a:prstGeom prst="rect">
             <a:avLst/>
@@ -3217,8 +3217,8 @@
         </p:nvSpPr>
         <p:spPr>
           <a:xfrm>
-            <a:off x="4206111" y="5773689"/>
-            <a:ext cx="1369431" cy="331656"/>
+            <a:off x="4206113" y="5906113"/>
+            <a:ext cx="1369431" cy="339263"/>
           </a:xfrm>
           <a:prstGeom prst="rect">
             <a:avLst/>
@@ -3539,13 +3539,13 @@
       </p:grpSpPr>
       <p:sp>
         <p:nvSpPr>
-          <p:cNvPr id="45" name="ZoneTexte 44"/>
+          <p:cNvPr id="14" name="ZoneTexte 13"/>
           <p:cNvSpPr txBox="1"/>
           <p:nvPr/>
         </p:nvSpPr>
         <p:spPr>
           <a:xfrm>
-            <a:off x="146967" y="4881342"/>
+            <a:off x="146967" y="5008193"/>
             <a:ext cx="388209" cy="325012"/>
           </a:xfrm>
           <a:prstGeom prst="rect">
@@ -3575,7 +3575,7 @@
       </p:sp>
       <p:pic>
         <p:nvPicPr>
-          <p:cNvPr id="46" name="Picture 2"/>
+          <p:cNvPr id="15" name="Picture 2"/>
           <p:cNvPicPr>
             <a:picLocks noChangeAspect="1" noChangeArrowheads="1"/>
           </p:cNvPicPr>
@@ -3594,7 +3594,7 @@
         </p:blipFill>
         <p:spPr bwMode="auto">
           <a:xfrm>
-            <a:off x="112937" y="66675"/>
+            <a:off x="112937" y="193526"/>
             <a:ext cx="5927166" cy="2165102"/>
           </a:xfrm>
           <a:prstGeom prst="rect">
@@ -3627,13 +3627,13 @@
       </p:pic>
       <p:sp>
         <p:nvSpPr>
-          <p:cNvPr id="47" name="ZoneTexte 46"/>
+          <p:cNvPr id="16" name="ZoneTexte 15"/>
           <p:cNvSpPr txBox="1"/>
           <p:nvPr/>
         </p:nvSpPr>
         <p:spPr>
           <a:xfrm>
-            <a:off x="-82293" y="-1484"/>
+            <a:off x="-82293" y="125367"/>
             <a:ext cx="388209" cy="325012"/>
           </a:xfrm>
           <a:prstGeom prst="rect">
@@ -3663,7 +3663,7 @@
       </p:sp>
       <p:pic>
         <p:nvPicPr>
-          <p:cNvPr id="48" name="Picture 9"/>
+          <p:cNvPr id="17" name="Picture 9"/>
           <p:cNvPicPr>
             <a:picLocks noChangeAspect="1" noChangeArrowheads="1"/>
           </p:cNvPicPr>
@@ -3682,7 +3682,7 @@
         </p:blipFill>
         <p:spPr bwMode="auto">
           <a:xfrm>
-            <a:off x="83601" y="1874765"/>
+            <a:off x="83601" y="2001616"/>
             <a:ext cx="5982955" cy="4353419"/>
           </a:xfrm>
           <a:prstGeom prst="rect">
@@ -3715,13 +3715,13 @@
       </p:pic>
       <p:sp>
         <p:nvSpPr>
-          <p:cNvPr id="49" name="ZoneTexte 48"/>
+          <p:cNvPr id="18" name="ZoneTexte 17"/>
           <p:cNvSpPr txBox="1"/>
           <p:nvPr/>
         </p:nvSpPr>
         <p:spPr>
           <a:xfrm>
-            <a:off x="-54124" y="1835696"/>
+            <a:off x="-54124" y="1962547"/>
             <a:ext cx="399494" cy="325012"/>
           </a:xfrm>
           <a:prstGeom prst="rect">
@@ -3751,13 +3751,13 @@
       </p:sp>
       <p:sp>
         <p:nvSpPr>
-          <p:cNvPr id="50" name="ZoneTexte 49"/>
+          <p:cNvPr id="19" name="ZoneTexte 18"/>
           <p:cNvSpPr txBox="1"/>
           <p:nvPr/>
         </p:nvSpPr>
         <p:spPr>
           <a:xfrm>
-            <a:off x="4113455" y="2023730"/>
+            <a:off x="4113455" y="2150581"/>
             <a:ext cx="749333" cy="297928"/>
           </a:xfrm>
           <a:prstGeom prst="rect">
@@ -3782,6 +3782,188 @@
               <a:latin typeface="Times New Roman" panose="02020603050405020304" pitchFamily="18" charset="0"/>
               <a:cs typeface="Times New Roman" panose="02020603050405020304" pitchFamily="18" charset="0"/>
             </a:endParaRPr>
+          </a:p>
+        </p:txBody>
+      </p:sp>
+      <p:sp>
+        <p:nvSpPr>
+          <p:cNvPr id="20" name="ZoneTexte 19"/>
+          <p:cNvSpPr txBox="1"/>
+          <p:nvPr/>
+        </p:nvSpPr>
+        <p:spPr>
+          <a:xfrm>
+            <a:off x="1163031" y="-54248"/>
+            <a:ext cx="763351" cy="338554"/>
+          </a:xfrm>
+          <a:prstGeom prst="rect">
+            <a:avLst/>
+          </a:prstGeom>
+          <a:noFill/>
+        </p:spPr>
+        <p:txBody>
+          <a:bodyPr wrap="none" rtlCol="0">
+            <a:spAutoFit/>
+          </a:bodyPr>
+          <a:lstStyle/>
+          <a:p>
+            <a:r>
+              <a:rPr lang="fr-FR" sz="1600" dirty="0" smtClean="0">
+                <a:latin typeface="Times New Roman" panose="02020603050405020304" pitchFamily="18" charset="0"/>
+                <a:cs typeface="Times New Roman" panose="02020603050405020304" pitchFamily="18" charset="0"/>
+              </a:rPr>
+              <a:t>X</a:t>
+            </a:r>
+            <a:r>
+              <a:rPr lang="fr-FR" sz="1600" baseline="30000" dirty="0" smtClean="0">
+                <a:latin typeface="Times New Roman" panose="02020603050405020304" pitchFamily="18" charset="0"/>
+                <a:cs typeface="Times New Roman" panose="02020603050405020304" pitchFamily="18" charset="0"/>
+              </a:rPr>
+              <a:t>+</a:t>
+            </a:r>
+            <a:r>
+              <a:rPr lang="fr-FR" sz="1600" dirty="0" smtClean="0">
+                <a:latin typeface="Times New Roman" panose="02020603050405020304" pitchFamily="18" charset="0"/>
+                <a:cs typeface="Times New Roman" panose="02020603050405020304" pitchFamily="18" charset="0"/>
+              </a:rPr>
+              <a:t>-Mn</a:t>
+            </a:r>
+            <a:endParaRPr lang="en-US" sz="1600" dirty="0">
+              <a:latin typeface="Times New Roman" panose="02020603050405020304" pitchFamily="18" charset="0"/>
+              <a:cs typeface="Times New Roman" panose="02020603050405020304" pitchFamily="18" charset="0"/>
+            </a:endParaRPr>
+          </a:p>
+        </p:txBody>
+      </p:sp>
+      <p:sp>
+        <p:nvSpPr>
+          <p:cNvPr id="21" name="ZoneTexte 20"/>
+          <p:cNvSpPr txBox="1"/>
+          <p:nvPr/>
+        </p:nvSpPr>
+        <p:spPr>
+          <a:xfrm>
+            <a:off x="4302646" y="-54248"/>
+            <a:ext cx="686406" cy="338554"/>
+          </a:xfrm>
+          <a:prstGeom prst="rect">
+            <a:avLst/>
+          </a:prstGeom>
+          <a:noFill/>
+        </p:spPr>
+        <p:txBody>
+          <a:bodyPr wrap="none" rtlCol="0">
+            <a:spAutoFit/>
+          </a:bodyPr>
+          <a:lstStyle/>
+          <a:p>
+            <a:r>
+              <a:rPr lang="fr-FR" sz="1600" dirty="0" smtClean="0">
+                <a:latin typeface="Times New Roman" panose="02020603050405020304" pitchFamily="18" charset="0"/>
+                <a:cs typeface="Times New Roman" panose="02020603050405020304" pitchFamily="18" charset="0"/>
+              </a:rPr>
+              <a:t>X-Mn</a:t>
+            </a:r>
+            <a:endParaRPr lang="en-US" sz="1600" dirty="0">
+              <a:latin typeface="Times New Roman" panose="02020603050405020304" pitchFamily="18" charset="0"/>
+              <a:cs typeface="Times New Roman" panose="02020603050405020304" pitchFamily="18" charset="0"/>
+            </a:endParaRPr>
+          </a:p>
+        </p:txBody>
+      </p:sp>
+      <p:sp>
+        <p:nvSpPr>
+          <p:cNvPr id="2" name="Rectangle 1"/>
+          <p:cNvSpPr/>
+          <p:nvPr/>
+        </p:nvSpPr>
+        <p:spPr>
+          <a:xfrm>
+            <a:off x="1206302" y="5274344"/>
+            <a:ext cx="576064" cy="216024"/>
+          </a:xfrm>
+          <a:prstGeom prst="rect">
+            <a:avLst/>
+          </a:prstGeom>
+          <a:solidFill>
+            <a:schemeClr val="bg1"/>
+          </a:solidFill>
+          <a:ln>
+            <a:solidFill>
+              <a:schemeClr val="bg1"/>
+            </a:solidFill>
+          </a:ln>
+        </p:spPr>
+        <p:style>
+          <a:lnRef idx="2">
+            <a:schemeClr val="accent1">
+              <a:shade val="50000"/>
+            </a:schemeClr>
+          </a:lnRef>
+          <a:fillRef idx="1">
+            <a:schemeClr val="accent1"/>
+          </a:fillRef>
+          <a:effectRef idx="0">
+            <a:schemeClr val="accent1"/>
+          </a:effectRef>
+          <a:fontRef idx="minor">
+            <a:schemeClr val="lt1"/>
+          </a:fontRef>
+        </p:style>
+        <p:txBody>
+          <a:bodyPr rtlCol="0" anchor="ctr"/>
+          <a:lstStyle/>
+          <a:p>
+            <a:pPr algn="ctr"/>
+            <a:endParaRPr lang="fr-FR"/>
+          </a:p>
+        </p:txBody>
+      </p:sp>
+      <p:sp>
+        <p:nvSpPr>
+          <p:cNvPr id="11" name="Rectangle 10"/>
+          <p:cNvSpPr/>
+          <p:nvPr/>
+        </p:nvSpPr>
+        <p:spPr>
+          <a:xfrm>
+            <a:off x="4302646" y="5614924"/>
+            <a:ext cx="576064" cy="216024"/>
+          </a:xfrm>
+          <a:prstGeom prst="rect">
+            <a:avLst/>
+          </a:prstGeom>
+          <a:solidFill>
+            <a:schemeClr val="bg1"/>
+          </a:solidFill>
+          <a:ln>
+            <a:solidFill>
+              <a:schemeClr val="bg1"/>
+            </a:solidFill>
+          </a:ln>
+        </p:spPr>
+        <p:style>
+          <a:lnRef idx="2">
+            <a:schemeClr val="accent1">
+              <a:shade val="50000"/>
+            </a:schemeClr>
+          </a:lnRef>
+          <a:fillRef idx="1">
+            <a:schemeClr val="accent1"/>
+          </a:fillRef>
+          <a:effectRef idx="0">
+            <a:schemeClr val="accent1"/>
+          </a:effectRef>
+          <a:fontRef idx="minor">
+            <a:schemeClr val="lt1"/>
+          </a:fontRef>
+        </p:style>
+        <p:txBody>
+          <a:bodyPr rtlCol="0" anchor="ctr"/>
+          <a:lstStyle/>
+          <a:p>
+            <a:pPr algn="ctr"/>
+            <a:endParaRPr lang="fr-FR"/>
           </a:p>
         </p:txBody>
       </p:sp>

--- a/03-h-Mn/Pictures/DotPres.pptx
+++ b/03-h-Mn/Pictures/DotPres.pptx
@@ -10,7 +10,7 @@
   <p:sldIdLst>
     <p:sldId id="293" r:id="rId2"/>
   </p:sldIdLst>
-  <p:sldSz cx="5868988" cy="6372225"/>
+  <p:sldSz cx="5868988" cy="7092950"/>
   <p:notesSz cx="6797675" cy="9926638"/>
   <p:defaultTextStyle>
     <a:defPPr>
@@ -192,7 +192,7 @@
           <a:p>
             <a:fld id="{A732596A-CC33-44AB-A517-CD91BCF05E15}" type="datetimeFigureOut">
               <a:rPr lang="en-US" smtClean="0"/>
-              <a:t>7/12/2017</a:t>
+              <a:t>10/16/2017</a:t>
             </a:fld>
             <a:endParaRPr lang="en-US"/>
           </a:p>
@@ -210,8 +210,8 @@
         </p:nvSpPr>
         <p:spPr>
           <a:xfrm>
-            <a:off x="1685925" y="744538"/>
-            <a:ext cx="3425825" cy="3721100"/>
+            <a:off x="1858963" y="744538"/>
+            <a:ext cx="3079750" cy="3721100"/>
           </a:xfrm>
           <a:prstGeom prst="rect">
             <a:avLst/>
@@ -489,8 +489,8 @@
         </p:nvSpPr>
         <p:spPr>
           <a:xfrm>
-            <a:off x="1685925" y="744538"/>
-            <a:ext cx="3425825" cy="3721100"/>
+            <a:off x="1858963" y="744538"/>
+            <a:ext cx="3079750" cy="3721100"/>
           </a:xfrm>
         </p:spPr>
       </p:sp>
@@ -578,8 +578,8 @@
         </p:nvSpPr>
         <p:spPr>
           <a:xfrm>
-            <a:off x="440180" y="1979523"/>
-            <a:ext cx="4988639" cy="1365899"/>
+            <a:off x="440181" y="2203417"/>
+            <a:ext cx="4988639" cy="1520387"/>
           </a:xfrm>
         </p:spPr>
         <p:txBody>
@@ -606,8 +606,8 @@
         </p:nvSpPr>
         <p:spPr>
           <a:xfrm>
-            <a:off x="880350" y="3610931"/>
-            <a:ext cx="4108292" cy="1628458"/>
+            <a:off x="880350" y="4019344"/>
+            <a:ext cx="4108292" cy="1812644"/>
           </a:xfrm>
         </p:spPr>
         <p:txBody>
@@ -730,7 +730,7 @@
           <a:p>
             <a:fld id="{252CF840-51FB-49D9-ADDC-0C52DA34DC77}" type="datetimeFigureOut">
               <a:rPr lang="en-US" smtClean="0"/>
-              <a:t>7/12/2017</a:t>
+              <a:t>10/16/2017</a:t>
             </a:fld>
             <a:endParaRPr lang="en-US"/>
           </a:p>
@@ -900,7 +900,7 @@
           <a:p>
             <a:fld id="{252CF840-51FB-49D9-ADDC-0C52DA34DC77}" type="datetimeFigureOut">
               <a:rPr lang="en-US" smtClean="0"/>
-              <a:t>7/12/2017</a:t>
+              <a:t>10/16/2017</a:t>
             </a:fld>
             <a:endParaRPr lang="en-US"/>
           </a:p>
@@ -990,8 +990,8 @@
         </p:nvSpPr>
         <p:spPr>
           <a:xfrm>
-            <a:off x="4255018" y="255190"/>
-            <a:ext cx="1320522" cy="5437041"/>
+            <a:off x="4255018" y="284054"/>
+            <a:ext cx="1320522" cy="6051993"/>
           </a:xfrm>
         </p:spPr>
         <p:txBody>
@@ -1018,8 +1018,8 @@
         </p:nvSpPr>
         <p:spPr>
           <a:xfrm>
-            <a:off x="293455" y="255190"/>
-            <a:ext cx="3863751" cy="5437041"/>
+            <a:off x="293459" y="284054"/>
+            <a:ext cx="3863751" cy="6051993"/>
           </a:xfrm>
         </p:spPr>
         <p:txBody>
@@ -1080,7 +1080,7 @@
           <a:p>
             <a:fld id="{252CF840-51FB-49D9-ADDC-0C52DA34DC77}" type="datetimeFigureOut">
               <a:rPr lang="en-US" smtClean="0"/>
-              <a:t>7/12/2017</a:t>
+              <a:t>10/16/2017</a:t>
             </a:fld>
             <a:endParaRPr lang="en-US"/>
           </a:p>
@@ -1250,7 +1250,7 @@
           <a:p>
             <a:fld id="{252CF840-51FB-49D9-ADDC-0C52DA34DC77}" type="datetimeFigureOut">
               <a:rPr lang="en-US" smtClean="0"/>
-              <a:t>7/12/2017</a:t>
+              <a:t>10/16/2017</a:t>
             </a:fld>
             <a:endParaRPr lang="en-US"/>
           </a:p>
@@ -1340,8 +1340,8 @@
         </p:nvSpPr>
         <p:spPr>
           <a:xfrm>
-            <a:off x="463612" y="4094747"/>
-            <a:ext cx="4988639" cy="1265595"/>
+            <a:off x="463612" y="4557882"/>
+            <a:ext cx="4988639" cy="1408739"/>
           </a:xfrm>
         </p:spPr>
         <p:txBody>
@@ -1372,8 +1372,8 @@
         </p:nvSpPr>
         <p:spPr>
           <a:xfrm>
-            <a:off x="463612" y="2700824"/>
-            <a:ext cx="4988639" cy="1393924"/>
+            <a:off x="463612" y="3006299"/>
+            <a:ext cx="4988639" cy="1551583"/>
           </a:xfrm>
         </p:spPr>
         <p:txBody>
@@ -1496,7 +1496,7 @@
           <a:p>
             <a:fld id="{252CF840-51FB-49D9-ADDC-0C52DA34DC77}" type="datetimeFigureOut">
               <a:rPr lang="en-US" smtClean="0"/>
-              <a:t>7/12/2017</a:t>
+              <a:t>10/16/2017</a:t>
             </a:fld>
             <a:endParaRPr lang="en-US"/>
           </a:p>
@@ -1609,8 +1609,8 @@
         </p:nvSpPr>
         <p:spPr>
           <a:xfrm>
-            <a:off x="293455" y="1486860"/>
-            <a:ext cx="2592137" cy="4205374"/>
+            <a:off x="293459" y="1655031"/>
+            <a:ext cx="2592137" cy="4681019"/>
           </a:xfrm>
         </p:spPr>
         <p:txBody>
@@ -1694,8 +1694,8 @@
         </p:nvSpPr>
         <p:spPr>
           <a:xfrm>
-            <a:off x="2983407" y="1486860"/>
-            <a:ext cx="2592137" cy="4205374"/>
+            <a:off x="2983411" y="1655031"/>
+            <a:ext cx="2592137" cy="4681019"/>
           </a:xfrm>
         </p:spPr>
         <p:txBody>
@@ -1784,7 +1784,7 @@
           <a:p>
             <a:fld id="{252CF840-51FB-49D9-ADDC-0C52DA34DC77}" type="datetimeFigureOut">
               <a:rPr lang="en-US" smtClean="0"/>
-              <a:t>7/12/2017</a:t>
+              <a:t>10/16/2017</a:t>
             </a:fld>
             <a:endParaRPr lang="en-US"/>
           </a:p>
@@ -1901,8 +1901,8 @@
         </p:nvSpPr>
         <p:spPr>
           <a:xfrm>
-            <a:off x="293450" y="1426376"/>
-            <a:ext cx="2593157" cy="594447"/>
+            <a:off x="293450" y="1587707"/>
+            <a:ext cx="2593157" cy="661681"/>
           </a:xfrm>
         </p:spPr>
         <p:txBody>
@@ -1966,8 +1966,8 @@
         </p:nvSpPr>
         <p:spPr>
           <a:xfrm>
-            <a:off x="293450" y="2020822"/>
-            <a:ext cx="2593157" cy="3671405"/>
+            <a:off x="293450" y="2249386"/>
+            <a:ext cx="2593157" cy="4086656"/>
           </a:xfrm>
         </p:spPr>
         <p:txBody>
@@ -2051,8 +2051,8 @@
         </p:nvSpPr>
         <p:spPr>
           <a:xfrm>
-            <a:off x="2981368" y="1426376"/>
-            <a:ext cx="2594174" cy="594447"/>
+            <a:off x="2981368" y="1587707"/>
+            <a:ext cx="2594174" cy="661681"/>
           </a:xfrm>
         </p:spPr>
         <p:txBody>
@@ -2116,8 +2116,8 @@
         </p:nvSpPr>
         <p:spPr>
           <a:xfrm>
-            <a:off x="2981368" y="2020822"/>
-            <a:ext cx="2594174" cy="3671405"/>
+            <a:off x="2981368" y="2249386"/>
+            <a:ext cx="2594174" cy="4086656"/>
           </a:xfrm>
         </p:spPr>
         <p:txBody>
@@ -2206,7 +2206,7 @@
           <a:p>
             <a:fld id="{252CF840-51FB-49D9-ADDC-0C52DA34DC77}" type="datetimeFigureOut">
               <a:rPr lang="en-US" smtClean="0"/>
-              <a:t>7/12/2017</a:t>
+              <a:t>10/16/2017</a:t>
             </a:fld>
             <a:endParaRPr lang="en-US"/>
           </a:p>
@@ -2324,7 +2324,7 @@
           <a:p>
             <a:fld id="{252CF840-51FB-49D9-ADDC-0C52DA34DC77}" type="datetimeFigureOut">
               <a:rPr lang="en-US" smtClean="0"/>
-              <a:t>7/12/2017</a:t>
+              <a:t>10/16/2017</a:t>
             </a:fld>
             <a:endParaRPr lang="en-US"/>
           </a:p>
@@ -2419,7 +2419,7 @@
           <a:p>
             <a:fld id="{252CF840-51FB-49D9-ADDC-0C52DA34DC77}" type="datetimeFigureOut">
               <a:rPr lang="en-US" smtClean="0"/>
-              <a:t>7/12/2017</a:t>
+              <a:t>10/16/2017</a:t>
             </a:fld>
             <a:endParaRPr lang="en-US"/>
           </a:p>
@@ -2509,8 +2509,8 @@
         </p:nvSpPr>
         <p:spPr>
           <a:xfrm>
-            <a:off x="293456" y="253712"/>
-            <a:ext cx="1930857" cy="1079738"/>
+            <a:off x="293460" y="282408"/>
+            <a:ext cx="1930857" cy="1201861"/>
           </a:xfrm>
         </p:spPr>
         <p:txBody>
@@ -2541,8 +2541,8 @@
         </p:nvSpPr>
         <p:spPr>
           <a:xfrm>
-            <a:off x="2294612" y="253712"/>
-            <a:ext cx="3280928" cy="5438519"/>
+            <a:off x="2294612" y="282409"/>
+            <a:ext cx="3280928" cy="6053638"/>
           </a:xfrm>
         </p:spPr>
         <p:txBody>
@@ -2626,8 +2626,8 @@
         </p:nvSpPr>
         <p:spPr>
           <a:xfrm>
-            <a:off x="293456" y="1333452"/>
-            <a:ext cx="1930857" cy="4358778"/>
+            <a:off x="293460" y="1484272"/>
+            <a:ext cx="1930857" cy="4851774"/>
           </a:xfrm>
         </p:spPr>
         <p:txBody>
@@ -2696,7 +2696,7 @@
           <a:p>
             <a:fld id="{252CF840-51FB-49D9-ADDC-0C52DA34DC77}" type="datetimeFigureOut">
               <a:rPr lang="en-US" smtClean="0"/>
-              <a:t>7/12/2017</a:t>
+              <a:t>10/16/2017</a:t>
             </a:fld>
             <a:endParaRPr lang="en-US"/>
           </a:p>
@@ -2786,8 +2786,8 @@
         </p:nvSpPr>
         <p:spPr>
           <a:xfrm>
-            <a:off x="1150369" y="4460563"/>
-            <a:ext cx="3521393" cy="526593"/>
+            <a:off x="1150373" y="4965073"/>
+            <a:ext cx="3521393" cy="586153"/>
           </a:xfrm>
         </p:spPr>
         <p:txBody>
@@ -2818,8 +2818,8 @@
         </p:nvSpPr>
         <p:spPr>
           <a:xfrm>
-            <a:off x="1150369" y="569372"/>
-            <a:ext cx="3521393" cy="3823335"/>
+            <a:off x="1150373" y="633771"/>
+            <a:ext cx="3521393" cy="4255770"/>
           </a:xfrm>
         </p:spPr>
         <p:txBody>
@@ -2879,8 +2879,8 @@
         </p:nvSpPr>
         <p:spPr>
           <a:xfrm>
-            <a:off x="1150369" y="4987157"/>
-            <a:ext cx="3521393" cy="747851"/>
+            <a:off x="1150373" y="5551227"/>
+            <a:ext cx="3521393" cy="832436"/>
           </a:xfrm>
         </p:spPr>
         <p:txBody>
@@ -2949,7 +2949,7 @@
           <a:p>
             <a:fld id="{252CF840-51FB-49D9-ADDC-0C52DA34DC77}" type="datetimeFigureOut">
               <a:rPr lang="en-US" smtClean="0"/>
-              <a:t>7/12/2017</a:t>
+              <a:t>10/16/2017</a:t>
             </a:fld>
             <a:endParaRPr lang="en-US"/>
           </a:p>
@@ -3044,8 +3044,8 @@
         </p:nvSpPr>
         <p:spPr>
           <a:xfrm>
-            <a:off x="293455" y="255186"/>
-            <a:ext cx="5282089" cy="1062038"/>
+            <a:off x="293456" y="284049"/>
+            <a:ext cx="5282089" cy="1182159"/>
           </a:xfrm>
           <a:prstGeom prst="rect">
             <a:avLst/>
@@ -3077,8 +3077,8 @@
         </p:nvSpPr>
         <p:spPr>
           <a:xfrm>
-            <a:off x="293455" y="1486860"/>
-            <a:ext cx="5282089" cy="4205374"/>
+            <a:off x="293456" y="1655031"/>
+            <a:ext cx="5282089" cy="4681019"/>
           </a:xfrm>
           <a:prstGeom prst="rect">
             <a:avLst/>
@@ -3139,8 +3139,8 @@
         </p:nvSpPr>
         <p:spPr>
           <a:xfrm>
-            <a:off x="293454" y="5906113"/>
-            <a:ext cx="1369431" cy="339263"/>
+            <a:off x="293454" y="6574120"/>
+            <a:ext cx="1369431" cy="377634"/>
           </a:xfrm>
           <a:prstGeom prst="rect">
             <a:avLst/>
@@ -3162,7 +3162,7 @@
           <a:p>
             <a:fld id="{252CF840-51FB-49D9-ADDC-0C52DA34DC77}" type="datetimeFigureOut">
               <a:rPr lang="en-US" smtClean="0"/>
-              <a:t>7/12/2017</a:t>
+              <a:t>10/16/2017</a:t>
             </a:fld>
             <a:endParaRPr lang="en-US"/>
           </a:p>
@@ -3180,8 +3180,8 @@
         </p:nvSpPr>
         <p:spPr>
           <a:xfrm>
-            <a:off x="2005239" y="5906113"/>
-            <a:ext cx="1858512" cy="339263"/>
+            <a:off x="2005239" y="6574120"/>
+            <a:ext cx="1858512" cy="377634"/>
           </a:xfrm>
           <a:prstGeom prst="rect">
             <a:avLst/>
@@ -3217,8 +3217,8 @@
         </p:nvSpPr>
         <p:spPr>
           <a:xfrm>
-            <a:off x="4206113" y="5906113"/>
-            <a:ext cx="1369431" cy="339263"/>
+            <a:off x="4206117" y="6574120"/>
+            <a:ext cx="1369431" cy="377634"/>
           </a:xfrm>
           <a:prstGeom prst="rect">
             <a:avLst/>
@@ -3537,45 +3537,9 @@
           <a:chExt cx="0" cy="0"/>
         </a:xfrm>
       </p:grpSpPr>
-      <p:sp>
-        <p:nvSpPr>
-          <p:cNvPr id="14" name="ZoneTexte 13"/>
-          <p:cNvSpPr txBox="1"/>
-          <p:nvPr/>
-        </p:nvSpPr>
-        <p:spPr>
-          <a:xfrm>
-            <a:off x="146967" y="5008193"/>
-            <a:ext cx="388209" cy="325012"/>
-          </a:xfrm>
-          <a:prstGeom prst="rect">
-            <a:avLst/>
-          </a:prstGeom>
-          <a:noFill/>
-        </p:spPr>
-        <p:txBody>
-          <a:bodyPr wrap="none" rtlCol="0">
-            <a:spAutoFit/>
-          </a:bodyPr>
-          <a:lstStyle/>
-          <a:p>
-            <a:r>
-              <a:rPr lang="fr-FR" dirty="0" smtClean="0">
-                <a:latin typeface="Times New Roman" panose="02020603050405020304" pitchFamily="18" charset="0"/>
-                <a:cs typeface="Times New Roman" panose="02020603050405020304" pitchFamily="18" charset="0"/>
-              </a:rPr>
-              <a:t>(c)</a:t>
-            </a:r>
-            <a:endParaRPr lang="en-US" dirty="0">
-              <a:latin typeface="Times New Roman" panose="02020603050405020304" pitchFamily="18" charset="0"/>
-              <a:cs typeface="Times New Roman" panose="02020603050405020304" pitchFamily="18" charset="0"/>
-            </a:endParaRPr>
-          </a:p>
-        </p:txBody>
-      </p:sp>
       <p:pic>
         <p:nvPicPr>
-          <p:cNvPr id="15" name="Picture 2"/>
+          <p:cNvPr id="32" name="Picture 3"/>
           <p:cNvPicPr>
             <a:picLocks noChangeAspect="1" noChangeArrowheads="1"/>
           </p:cNvPicPr>
@@ -3589,13 +3553,13 @@
               </a:ext>
             </a:extLst>
           </a:blip>
-          <a:srcRect t="3178"/>
+          <a:srcRect t="4200"/>
           <a:stretch/>
         </p:blipFill>
         <p:spPr bwMode="auto">
           <a:xfrm>
-            <a:off x="112937" y="193526"/>
-            <a:ext cx="5927166" cy="2165102"/>
+            <a:off x="-68400" y="2641728"/>
+            <a:ext cx="6318000" cy="4505147"/>
           </a:xfrm>
           <a:prstGeom prst="rect">
             <a:avLst/>
@@ -3625,45 +3589,9 @@
           </a:extLst>
         </p:spPr>
       </p:pic>
-      <p:sp>
-        <p:nvSpPr>
-          <p:cNvPr id="16" name="ZoneTexte 15"/>
-          <p:cNvSpPr txBox="1"/>
-          <p:nvPr/>
-        </p:nvSpPr>
-        <p:spPr>
-          <a:xfrm>
-            <a:off x="-82293" y="125367"/>
-            <a:ext cx="388209" cy="325012"/>
-          </a:xfrm>
-          <a:prstGeom prst="rect">
-            <a:avLst/>
-          </a:prstGeom>
-          <a:noFill/>
-        </p:spPr>
-        <p:txBody>
-          <a:bodyPr wrap="none" rtlCol="0">
-            <a:spAutoFit/>
-          </a:bodyPr>
-          <a:lstStyle/>
-          <a:p>
-            <a:r>
-              <a:rPr lang="fr-FR" dirty="0" smtClean="0">
-                <a:latin typeface="Times New Roman" panose="02020603050405020304" pitchFamily="18" charset="0"/>
-                <a:cs typeface="Times New Roman" panose="02020603050405020304" pitchFamily="18" charset="0"/>
-              </a:rPr>
-              <a:t>(a)</a:t>
-            </a:r>
-            <a:endParaRPr lang="en-US" dirty="0">
-              <a:latin typeface="Times New Roman" panose="02020603050405020304" pitchFamily="18" charset="0"/>
-              <a:cs typeface="Times New Roman" panose="02020603050405020304" pitchFamily="18" charset="0"/>
-            </a:endParaRPr>
-          </a:p>
-        </p:txBody>
-      </p:sp>
       <p:pic>
         <p:nvPicPr>
-          <p:cNvPr id="17" name="Picture 9"/>
+          <p:cNvPr id="33" name="Picture 2"/>
           <p:cNvPicPr>
             <a:picLocks noChangeAspect="1" noChangeArrowheads="1"/>
           </p:cNvPicPr>
@@ -3677,13 +3605,13 @@
               </a:ext>
             </a:extLst>
           </a:blip>
-          <a:srcRect t="2113" b="1405"/>
+          <a:srcRect t="5065" b="11717"/>
           <a:stretch/>
         </p:blipFill>
         <p:spPr bwMode="auto">
           <a:xfrm>
-            <a:off x="83601" y="2001616"/>
-            <a:ext cx="5982955" cy="4353419"/>
+            <a:off x="-89842" y="226128"/>
+            <a:ext cx="6181200" cy="2447540"/>
           </a:xfrm>
           <a:prstGeom prst="rect">
             <a:avLst/>
@@ -3715,14 +3643,14 @@
       </p:pic>
       <p:sp>
         <p:nvSpPr>
-          <p:cNvPr id="18" name="ZoneTexte 17"/>
+          <p:cNvPr id="34" name="ZoneTexte 33"/>
           <p:cNvSpPr txBox="1"/>
           <p:nvPr/>
         </p:nvSpPr>
         <p:spPr>
           <a:xfrm>
-            <a:off x="-54124" y="1962547"/>
-            <a:ext cx="399494" cy="325012"/>
+            <a:off x="-82293" y="-57908"/>
+            <a:ext cx="526106" cy="461665"/>
           </a:xfrm>
           <a:prstGeom prst="rect">
             <a:avLst/>
@@ -3736,13 +3664,13 @@
           <a:lstStyle/>
           <a:p>
             <a:r>
-              <a:rPr lang="fr-FR" dirty="0" smtClean="0">
+              <a:rPr lang="fr-FR" sz="2400" dirty="0" smtClean="0">
                 <a:latin typeface="Times New Roman" panose="02020603050405020304" pitchFamily="18" charset="0"/>
                 <a:cs typeface="Times New Roman" panose="02020603050405020304" pitchFamily="18" charset="0"/>
               </a:rPr>
-              <a:t>(b)</a:t>
-            </a:r>
-            <a:endParaRPr lang="en-US" dirty="0">
+              <a:t>(a)</a:t>
+            </a:r>
+            <a:endParaRPr lang="en-US" sz="2400" dirty="0">
               <a:latin typeface="Times New Roman" panose="02020603050405020304" pitchFamily="18" charset="0"/>
               <a:cs typeface="Times New Roman" panose="02020603050405020304" pitchFamily="18" charset="0"/>
             </a:endParaRPr>
@@ -3751,14 +3679,14 @@
       </p:sp>
       <p:sp>
         <p:nvSpPr>
-          <p:cNvPr id="19" name="ZoneTexte 18"/>
+          <p:cNvPr id="35" name="ZoneTexte 34"/>
           <p:cNvSpPr txBox="1"/>
           <p:nvPr/>
         </p:nvSpPr>
         <p:spPr>
           <a:xfrm>
-            <a:off x="4113455" y="2150581"/>
-            <a:ext cx="749333" cy="297928"/>
+            <a:off x="-54124" y="2569776"/>
+            <a:ext cx="543739" cy="461665"/>
           </a:xfrm>
           <a:prstGeom prst="rect">
             <a:avLst/>
@@ -3772,13 +3700,13 @@
           <a:lstStyle/>
           <a:p>
             <a:r>
-              <a:rPr lang="fr-FR" sz="1600" dirty="0" smtClean="0">
+              <a:rPr lang="fr-FR" sz="2400" dirty="0" smtClean="0">
                 <a:latin typeface="Times New Roman" panose="02020603050405020304" pitchFamily="18" charset="0"/>
                 <a:cs typeface="Times New Roman" panose="02020603050405020304" pitchFamily="18" charset="0"/>
               </a:rPr>
-              <a:t>V=5.5V</a:t>
-            </a:r>
-            <a:endParaRPr lang="en-US" sz="1600" dirty="0">
+              <a:t>(b)</a:t>
+            </a:r>
+            <a:endParaRPr lang="en-US" sz="2400" dirty="0">
               <a:latin typeface="Times New Roman" panose="02020603050405020304" pitchFamily="18" charset="0"/>
               <a:cs typeface="Times New Roman" panose="02020603050405020304" pitchFamily="18" charset="0"/>
             </a:endParaRPr>
@@ -3787,14 +3715,14 @@
       </p:sp>
       <p:sp>
         <p:nvSpPr>
-          <p:cNvPr id="20" name="ZoneTexte 19"/>
+          <p:cNvPr id="36" name="ZoneTexte 35"/>
           <p:cNvSpPr txBox="1"/>
           <p:nvPr/>
         </p:nvSpPr>
         <p:spPr>
           <a:xfrm>
-            <a:off x="1163031" y="-54248"/>
-            <a:ext cx="763351" cy="338554"/>
+            <a:off x="4113455" y="2757810"/>
+            <a:ext cx="1021433" cy="400110"/>
           </a:xfrm>
           <a:prstGeom prst="rect">
             <a:avLst/>
@@ -3808,27 +3736,13 @@
           <a:lstStyle/>
           <a:p>
             <a:r>
-              <a:rPr lang="fr-FR" sz="1600" dirty="0" smtClean="0">
+              <a:rPr lang="fr-FR" sz="2000" dirty="0" smtClean="0">
                 <a:latin typeface="Times New Roman" panose="02020603050405020304" pitchFamily="18" charset="0"/>
                 <a:cs typeface="Times New Roman" panose="02020603050405020304" pitchFamily="18" charset="0"/>
               </a:rPr>
-              <a:t>X</a:t>
-            </a:r>
-            <a:r>
-              <a:rPr lang="fr-FR" sz="1600" baseline="30000" dirty="0" smtClean="0">
-                <a:latin typeface="Times New Roman" panose="02020603050405020304" pitchFamily="18" charset="0"/>
-                <a:cs typeface="Times New Roman" panose="02020603050405020304" pitchFamily="18" charset="0"/>
-              </a:rPr>
-              <a:t>+</a:t>
-            </a:r>
-            <a:r>
-              <a:rPr lang="fr-FR" sz="1600" dirty="0" smtClean="0">
-                <a:latin typeface="Times New Roman" panose="02020603050405020304" pitchFamily="18" charset="0"/>
-                <a:cs typeface="Times New Roman" panose="02020603050405020304" pitchFamily="18" charset="0"/>
-              </a:rPr>
-              <a:t>-Mn</a:t>
-            </a:r>
-            <a:endParaRPr lang="en-US" sz="1600" dirty="0">
+              <a:t>V=5.5V</a:t>
+            </a:r>
+            <a:endParaRPr lang="en-US" sz="2000" dirty="0">
               <a:latin typeface="Times New Roman" panose="02020603050405020304" pitchFamily="18" charset="0"/>
               <a:cs typeface="Times New Roman" panose="02020603050405020304" pitchFamily="18" charset="0"/>
             </a:endParaRPr>
@@ -3837,14 +3751,14 @@
       </p:sp>
       <p:sp>
         <p:nvSpPr>
-          <p:cNvPr id="21" name="ZoneTexte 20"/>
+          <p:cNvPr id="37" name="ZoneTexte 36"/>
           <p:cNvSpPr txBox="1"/>
           <p:nvPr/>
         </p:nvSpPr>
         <p:spPr>
           <a:xfrm>
-            <a:off x="4302646" y="-54248"/>
-            <a:ext cx="686406" cy="338554"/>
+            <a:off x="1163031" y="-94520"/>
+            <a:ext cx="1053494" cy="461665"/>
           </a:xfrm>
           <a:prstGeom prst="rect">
             <a:avLst/>
@@ -3858,112 +3772,66 @@
           <a:lstStyle/>
           <a:p>
             <a:r>
-              <a:rPr lang="fr-FR" sz="1600" dirty="0" smtClean="0">
+              <a:rPr lang="fr-FR" sz="2400" dirty="0" smtClean="0">
+                <a:latin typeface="Times New Roman" panose="02020603050405020304" pitchFamily="18" charset="0"/>
+                <a:cs typeface="Times New Roman" panose="02020603050405020304" pitchFamily="18" charset="0"/>
+              </a:rPr>
+              <a:t>X</a:t>
+            </a:r>
+            <a:r>
+              <a:rPr lang="fr-FR" sz="2400" baseline="30000" dirty="0" smtClean="0">
+                <a:latin typeface="Times New Roman" panose="02020603050405020304" pitchFamily="18" charset="0"/>
+                <a:cs typeface="Times New Roman" panose="02020603050405020304" pitchFamily="18" charset="0"/>
+              </a:rPr>
+              <a:t>+</a:t>
+            </a:r>
+            <a:r>
+              <a:rPr lang="fr-FR" sz="2400" dirty="0" smtClean="0">
+                <a:latin typeface="Times New Roman" panose="02020603050405020304" pitchFamily="18" charset="0"/>
+                <a:cs typeface="Times New Roman" panose="02020603050405020304" pitchFamily="18" charset="0"/>
+              </a:rPr>
+              <a:t>-Mn</a:t>
+            </a:r>
+            <a:endParaRPr lang="en-US" sz="2400" dirty="0">
+              <a:latin typeface="Times New Roman" panose="02020603050405020304" pitchFamily="18" charset="0"/>
+              <a:cs typeface="Times New Roman" panose="02020603050405020304" pitchFamily="18" charset="0"/>
+            </a:endParaRPr>
+          </a:p>
+        </p:txBody>
+      </p:sp>
+      <p:sp>
+        <p:nvSpPr>
+          <p:cNvPr id="38" name="ZoneTexte 37"/>
+          <p:cNvSpPr txBox="1"/>
+          <p:nvPr/>
+        </p:nvSpPr>
+        <p:spPr>
+          <a:xfrm>
+            <a:off x="4302646" y="-94520"/>
+            <a:ext cx="938077" cy="461665"/>
+          </a:xfrm>
+          <a:prstGeom prst="rect">
+            <a:avLst/>
+          </a:prstGeom>
+          <a:noFill/>
+        </p:spPr>
+        <p:txBody>
+          <a:bodyPr wrap="none" rtlCol="0">
+            <a:spAutoFit/>
+          </a:bodyPr>
+          <a:lstStyle/>
+          <a:p>
+            <a:r>
+              <a:rPr lang="fr-FR" sz="2400" dirty="0" smtClean="0">
                 <a:latin typeface="Times New Roman" panose="02020603050405020304" pitchFamily="18" charset="0"/>
                 <a:cs typeface="Times New Roman" panose="02020603050405020304" pitchFamily="18" charset="0"/>
               </a:rPr>
               <a:t>X-Mn</a:t>
             </a:r>
-            <a:endParaRPr lang="en-US" sz="1600" dirty="0">
+            <a:endParaRPr lang="en-US" sz="2400" dirty="0">
               <a:latin typeface="Times New Roman" panose="02020603050405020304" pitchFamily="18" charset="0"/>
               <a:cs typeface="Times New Roman" panose="02020603050405020304" pitchFamily="18" charset="0"/>
             </a:endParaRPr>
-          </a:p>
-        </p:txBody>
-      </p:sp>
-      <p:sp>
-        <p:nvSpPr>
-          <p:cNvPr id="2" name="Rectangle 1"/>
-          <p:cNvSpPr/>
-          <p:nvPr/>
-        </p:nvSpPr>
-        <p:spPr>
-          <a:xfrm>
-            <a:off x="1206302" y="5274344"/>
-            <a:ext cx="576064" cy="216024"/>
-          </a:xfrm>
-          <a:prstGeom prst="rect">
-            <a:avLst/>
-          </a:prstGeom>
-          <a:solidFill>
-            <a:schemeClr val="bg1"/>
-          </a:solidFill>
-          <a:ln>
-            <a:solidFill>
-              <a:schemeClr val="bg1"/>
-            </a:solidFill>
-          </a:ln>
-        </p:spPr>
-        <p:style>
-          <a:lnRef idx="2">
-            <a:schemeClr val="accent1">
-              <a:shade val="50000"/>
-            </a:schemeClr>
-          </a:lnRef>
-          <a:fillRef idx="1">
-            <a:schemeClr val="accent1"/>
-          </a:fillRef>
-          <a:effectRef idx="0">
-            <a:schemeClr val="accent1"/>
-          </a:effectRef>
-          <a:fontRef idx="minor">
-            <a:schemeClr val="lt1"/>
-          </a:fontRef>
-        </p:style>
-        <p:txBody>
-          <a:bodyPr rtlCol="0" anchor="ctr"/>
-          <a:lstStyle/>
-          <a:p>
-            <a:pPr algn="ctr"/>
-            <a:endParaRPr lang="fr-FR"/>
-          </a:p>
-        </p:txBody>
-      </p:sp>
-      <p:sp>
-        <p:nvSpPr>
-          <p:cNvPr id="11" name="Rectangle 10"/>
-          <p:cNvSpPr/>
-          <p:nvPr/>
-        </p:nvSpPr>
-        <p:spPr>
-          <a:xfrm>
-            <a:off x="4302646" y="5614924"/>
-            <a:ext cx="576064" cy="216024"/>
-          </a:xfrm>
-          <a:prstGeom prst="rect">
-            <a:avLst/>
-          </a:prstGeom>
-          <a:solidFill>
-            <a:schemeClr val="bg1"/>
-          </a:solidFill>
-          <a:ln>
-            <a:solidFill>
-              <a:schemeClr val="bg1"/>
-            </a:solidFill>
-          </a:ln>
-        </p:spPr>
-        <p:style>
-          <a:lnRef idx="2">
-            <a:schemeClr val="accent1">
-              <a:shade val="50000"/>
-            </a:schemeClr>
-          </a:lnRef>
-          <a:fillRef idx="1">
-            <a:schemeClr val="accent1"/>
-          </a:fillRef>
-          <a:effectRef idx="0">
-            <a:schemeClr val="accent1"/>
-          </a:effectRef>
-          <a:fontRef idx="minor">
-            <a:schemeClr val="lt1"/>
-          </a:fontRef>
-        </p:style>
-        <p:txBody>
-          <a:bodyPr rtlCol="0" anchor="ctr"/>
-          <a:lstStyle/>
-          <a:p>
-            <a:pPr algn="ctr"/>
-            <a:endParaRPr lang="fr-FR"/>
           </a:p>
         </p:txBody>
       </p:sp>
